--- a/presentation.pptx
+++ b/presentation.pptx
@@ -815,6 +815,119 @@
     <p:extLst>
       <p:ext uri="{BB962C8B-B14F-4D97-AF65-F5344CB8AC3E}">
         <p14:creationId xmlns:p14="http://schemas.microsoft.com/office/powerpoint/2010/main" val="3334426104"/>
+      </p:ext>
+    </p:extLst>
+  </p:cSld>
+  <p:clrMapOvr>
+    <a:masterClrMapping/>
+  </p:clrMapOvr>
+</p:notes>
+</file>
+
+<file path=ppt/notesSlides/notesSlide4.xml><?xml version="1.0" encoding="utf-8"?>
+<p:notes xmlns:a="http://schemas.openxmlformats.org/drawingml/2006/main" xmlns:r="http://schemas.openxmlformats.org/officeDocument/2006/relationships" xmlns:p="http://schemas.openxmlformats.org/presentationml/2006/main">
+  <p:cSld>
+    <p:spTree>
+      <p:nvGrpSpPr>
+        <p:cNvPr id="1" name=""/>
+        <p:cNvGrpSpPr/>
+        <p:nvPr/>
+      </p:nvGrpSpPr>
+      <p:grpSpPr>
+        <a:xfrm>
+          <a:off x="0" y="0"/>
+          <a:ext cx="0" cy="0"/>
+          <a:chOff x="0" y="0"/>
+          <a:chExt cx="0" cy="0"/>
+        </a:xfrm>
+      </p:grpSpPr>
+      <p:sp>
+        <p:nvSpPr>
+          <p:cNvPr id="2" name="Slide Image Placeholder 1"/>
+          <p:cNvSpPr>
+            <a:spLocks noGrp="1" noRot="1" noChangeAspect="1"/>
+          </p:cNvSpPr>
+          <p:nvPr>
+            <p:ph type="sldImg"/>
+          </p:nvPr>
+        </p:nvSpPr>
+        <p:spPr/>
+      </p:sp>
+      <p:sp>
+        <p:nvSpPr>
+          <p:cNvPr id="3" name="Notes Placeholder 2"/>
+          <p:cNvSpPr>
+            <a:spLocks noGrp="1"/>
+          </p:cNvSpPr>
+          <p:nvPr>
+            <p:ph type="body" idx="1"/>
+          </p:nvPr>
+        </p:nvSpPr>
+        <p:spPr/>
+        <p:txBody>
+          <a:bodyPr/>
+          <a:lstStyle/>
+          <a:p>
+            <a:r>
+              <a:rPr lang="en-US" dirty="0" smtClean="0"/>
+              <a:t>transcribing of calls that can be used for future use to provide more value to their customers and business</a:t>
+            </a:r>
+          </a:p>
+          <a:p>
+            <a:pPr marL="0" marR="0" lvl="1" indent="0" algn="l" defTabSz="457200" rtl="0" eaLnBrk="1" fontAlgn="auto" latinLnBrk="0" hangingPunct="1">
+              <a:lnSpc>
+                <a:spcPct val="100000"/>
+              </a:lnSpc>
+              <a:spcBef>
+                <a:spcPts val="0"/>
+              </a:spcBef>
+              <a:spcAft>
+                <a:spcPts val="0"/>
+              </a:spcAft>
+              <a:buClrTx/>
+              <a:buSzTx/>
+              <a:buFontTx/>
+              <a:buNone/>
+              <a:tabLst/>
+              <a:defRPr/>
+            </a:pPr>
+            <a:r>
+              <a:rPr lang="en-US" dirty="0" smtClean="0"/>
+              <a:t>. (pay more attention by listening than having half of your attention in writing down notes)</a:t>
+            </a:r>
+          </a:p>
+          <a:p>
+            <a:endParaRPr lang="en-US" dirty="0"/>
+          </a:p>
+        </p:txBody>
+      </p:sp>
+      <p:sp>
+        <p:nvSpPr>
+          <p:cNvPr id="4" name="Slide Number Placeholder 3"/>
+          <p:cNvSpPr>
+            <a:spLocks noGrp="1"/>
+          </p:cNvSpPr>
+          <p:nvPr>
+            <p:ph type="sldNum" sz="quarter" idx="10"/>
+          </p:nvPr>
+        </p:nvSpPr>
+        <p:spPr/>
+        <p:txBody>
+          <a:bodyPr/>
+          <a:lstStyle/>
+          <a:p>
+            <a:fld id="{3CB5FF05-6692-8F4F-AE0A-52B2DA572AE5}" type="slidenum">
+              <a:rPr lang="en-US" smtClean="0"/>
+              <a:t>9</a:t>
+            </a:fld>
+            <a:endParaRPr lang="en-US"/>
+          </a:p>
+        </p:txBody>
+      </p:sp>
+    </p:spTree>
+    <p:extLst>
+      <p:ext uri="{BB962C8B-B14F-4D97-AF65-F5344CB8AC3E}">
+        <p14:creationId xmlns:p14="http://schemas.microsoft.com/office/powerpoint/2010/main" val="1882223740"/>
       </p:ext>
     </p:extLst>
   </p:cSld>
@@ -17150,19 +17263,7 @@
           <a:p>
             <a:r>
               <a:rPr lang="en-US" sz="4000" dirty="0" smtClean="0"/>
-              <a:t>real time synthesizing of text input </a:t>
-            </a:r>
-            <a:r>
-              <a:rPr lang="en-US" sz="4000" dirty="0" smtClean="0"/>
-              <a:t>which results to</a:t>
-            </a:r>
-            <a:r>
-              <a:rPr lang="en-US" sz="4000" dirty="0" smtClean="0"/>
-              <a:t> </a:t>
-            </a:r>
-            <a:r>
-              <a:rPr lang="en-US" sz="4000" dirty="0" smtClean="0"/>
-              <a:t>natural language with correct intonation.. </a:t>
+              <a:t>real time synthesizing of text input which results to natural language with correct intonation.. </a:t>
             </a:r>
           </a:p>
           <a:p>
@@ -17879,10 +17980,6 @@
               <a:rPr lang="en-US" dirty="0" smtClean="0"/>
               <a:t>:</a:t>
             </a:r>
-            <a:r>
-              <a:rPr lang="en-US" dirty="0" smtClean="0"/>
-              <a:t/>
-            </a:r>
             <a:br>
               <a:rPr lang="en-US" dirty="0" smtClean="0"/>
             </a:br>
@@ -17914,13 +18011,8 @@
           <a:p>
             <a:r>
               <a:rPr lang="en-US" sz="3200" dirty="0" smtClean="0"/>
-              <a:t>Tool for Speech and  Visually</a:t>
+              <a:t>Tool for Speech and  Visually Impaired</a:t>
             </a:r>
-            <a:r>
-              <a:rPr lang="en-US" sz="3200" dirty="0" smtClean="0"/>
-              <a:t> Impaired</a:t>
-            </a:r>
-            <a:endParaRPr lang="en-US" sz="3200" dirty="0" smtClean="0"/>
           </a:p>
           <a:p>
             <a:pPr marL="68580" indent="0">
@@ -17945,7 +18037,6 @@
               <a:rPr lang="en-US" sz="3200" dirty="0" smtClean="0"/>
               <a:t>Foreign Language Learning</a:t>
             </a:r>
-            <a:endParaRPr lang="en-US" sz="3200" dirty="0" smtClean="0"/>
           </a:p>
           <a:p>
             <a:endParaRPr lang="en-US" sz="3200" dirty="0" smtClean="0"/>
@@ -18024,19 +18115,7 @@
           <a:p>
             <a:r>
               <a:rPr lang="en-US" sz="4000" dirty="0" smtClean="0"/>
-              <a:t>Speech</a:t>
-            </a:r>
-            <a:r>
-              <a:rPr lang="en-US" sz="4000" dirty="0" smtClean="0"/>
-              <a:t> </a:t>
-            </a:r>
-            <a:r>
-              <a:rPr lang="en-US" sz="4000" dirty="0" smtClean="0"/>
-              <a:t>to </a:t>
-            </a:r>
-            <a:r>
-              <a:rPr lang="en-US" sz="4000" dirty="0" smtClean="0"/>
-              <a:t>Text</a:t>
+              <a:t>Speech to Text</a:t>
             </a:r>
             <a:endParaRPr lang="en-US" sz="4000" dirty="0"/>
           </a:p>
@@ -18724,16 +18803,17 @@
           <a:p>
             <a:r>
               <a:rPr lang="en-US" dirty="0" smtClean="0"/>
-              <a:t>Vision </a:t>
-            </a:r>
-            <a:r>
-              <a:rPr lang="en-US" dirty="0" smtClean="0"/>
-              <a:t>Impaired </a:t>
+              <a:t>Vision Impaired </a:t>
             </a:r>
             <a:r>
               <a:rPr lang="en-US" dirty="0" smtClean="0"/>
               <a:t>Use</a:t>
             </a:r>
+          </a:p>
+          <a:p>
+            <a:pPr marL="68580" indent="0">
+              <a:buNone/>
+            </a:pPr>
             <a:endParaRPr lang="en-US" dirty="0" smtClean="0"/>
           </a:p>
           <a:p>
@@ -18746,39 +18826,39 @@
             <a:pPr lvl="1"/>
             <a:r>
               <a:rPr lang="en-US" dirty="0" smtClean="0"/>
-              <a:t>call centers transcribing of calls that can be used for future use to provide more value to their customers and business</a:t>
+              <a:t>call </a:t>
             </a:r>
+            <a:r>
+              <a:rPr lang="en-US" dirty="0" smtClean="0"/>
+              <a:t>centers</a:t>
+            </a:r>
+            <a:endParaRPr lang="en-US" dirty="0" smtClean="0"/>
           </a:p>
           <a:p>
             <a:pPr lvl="1"/>
             <a:r>
               <a:rPr lang="en-US" dirty="0" smtClean="0"/>
-              <a:t>Taking notes in meeting and in class. (pay more attention by listening than having half of your attention in writing down notes)</a:t>
-            </a:r>
-          </a:p>
-          <a:p>
-            <a:r>
-              <a:rPr lang="en-US" dirty="0" smtClean="0"/>
-              <a:t>Human and Computer Interaction </a:t>
+              <a:t>Taking notes in meeting and in </a:t>
             </a:r>
             <a:r>
               <a:rPr lang="en-US" dirty="0" smtClean="0"/>
-              <a:t>(</a:t>
+              <a:t>class</a:t>
+            </a:r>
+          </a:p>
+          <a:p>
+            <a:pPr lvl="1"/>
+            <a:r>
+              <a:rPr lang="en-US" dirty="0" smtClean="0"/>
+              <a:t>Human </a:t>
             </a:r>
             <a:r>
               <a:rPr lang="en-US" dirty="0" smtClean="0"/>
-              <a:t>Voice Control Application</a:t>
+              <a:t>and Computer Interaction (Voice Control </a:t>
             </a:r>
             <a:r>
               <a:rPr lang="en-US" dirty="0" smtClean="0"/>
-              <a:t>) </a:t>
+              <a:t>Application)</a:t>
             </a:r>
-            <a:r>
-              <a:rPr lang="en-US" dirty="0" smtClean="0"/>
-              <a:t>– saying commands to different devices like </a:t>
-            </a:r>
-          </a:p>
-          <a:p>
             <a:endParaRPr lang="en-US" dirty="0"/>
           </a:p>
           <a:p>

--- a/presentation.pptx
+++ b/presentation.pptx
@@ -5,19 +5,25 @@
     <p:sldMasterId id="2147483693" r:id="rId1"/>
   </p:sldMasterIdLst>
   <p:notesMasterIdLst>
-    <p:notesMasterId r:id="rId12"/>
+    <p:notesMasterId r:id="rId18"/>
   </p:notesMasterIdLst>
   <p:sldIdLst>
     <p:sldId id="256" r:id="rId2"/>
     <p:sldId id="257" r:id="rId3"/>
-    <p:sldId id="258" r:id="rId4"/>
-    <p:sldId id="264" r:id="rId5"/>
-    <p:sldId id="259" r:id="rId6"/>
-    <p:sldId id="262" r:id="rId7"/>
-    <p:sldId id="261" r:id="rId8"/>
-    <p:sldId id="263" r:id="rId9"/>
-    <p:sldId id="260" r:id="rId10"/>
-    <p:sldId id="265" r:id="rId11"/>
+    <p:sldId id="266" r:id="rId4"/>
+    <p:sldId id="267" r:id="rId5"/>
+    <p:sldId id="268" r:id="rId6"/>
+    <p:sldId id="271" r:id="rId7"/>
+    <p:sldId id="258" r:id="rId8"/>
+    <p:sldId id="264" r:id="rId9"/>
+    <p:sldId id="259" r:id="rId10"/>
+    <p:sldId id="262" r:id="rId11"/>
+    <p:sldId id="261" r:id="rId12"/>
+    <p:sldId id="269" r:id="rId13"/>
+    <p:sldId id="270" r:id="rId14"/>
+    <p:sldId id="263" r:id="rId15"/>
+    <p:sldId id="260" r:id="rId16"/>
+    <p:sldId id="265" r:id="rId17"/>
   </p:sldIdLst>
   <p:sldSz cx="9144000" cy="6858000" type="screen4x3"/>
   <p:notesSz cx="6858000" cy="9144000"/>
@@ -201,7 +207,7 @@
           <a:p>
             <a:fld id="{46C2FA2C-6BD4-1D43-BAF4-03E62CE4133E}" type="datetimeFigureOut">
               <a:rPr lang="en-US" smtClean="0"/>
-              <a:t>2/19/16</a:t>
+              <a:t>2/28/16</a:t>
             </a:fld>
             <a:endParaRPr lang="en-US"/>
           </a:p>
@@ -607,22 +613,13 @@
           <a:p>
             <a:r>
               <a:rPr lang="en-US" dirty="0" smtClean="0"/>
-              <a:t>Speech Impaired – dyslexia</a:t>
-            </a:r>
-          </a:p>
-          <a:p>
-            <a:r>
-              <a:rPr lang="en-US" dirty="0" smtClean="0"/>
-              <a:t>enhances listening skills – promotes attentiveness</a:t>
+              <a:t>Advantages compared to others: Can synthesize both</a:t>
             </a:r>
             <a:r>
               <a:rPr lang="en-US" baseline="0" dirty="0" smtClean="0"/>
-              <a:t> in class</a:t>
+              <a:t> high quality and low quality sounds – according to IBM</a:t>
             </a:r>
-            <a:endParaRPr lang="en-US" dirty="0" smtClean="0"/>
-          </a:p>
-          <a:p>
-            <a:endParaRPr lang="en-US" dirty="0" smtClean="0"/>
+            <a:endParaRPr lang="en-US" dirty="0"/>
           </a:p>
         </p:txBody>
       </p:sp>
@@ -643,7 +640,7 @@
           <a:p>
             <a:fld id="{3CB5FF05-6692-8F4F-AE0A-52B2DA572AE5}" type="slidenum">
               <a:rPr lang="en-US" smtClean="0"/>
-              <a:t>5</a:t>
+              <a:t>4</a:t>
             </a:fld>
             <a:endParaRPr lang="en-US"/>
           </a:p>
@@ -652,7 +649,7 @@
     </p:spTree>
     <p:extLst>
       <p:ext uri="{BB962C8B-B14F-4D97-AF65-F5344CB8AC3E}">
-        <p14:creationId xmlns:p14="http://schemas.microsoft.com/office/powerpoint/2010/main" val="1922507375"/>
+        <p14:creationId xmlns:p14="http://schemas.microsoft.com/office/powerpoint/2010/main" val="2807007092"/>
       </p:ext>
     </p:extLst>
   </p:cSld>
@@ -708,83 +705,22 @@
           <a:p>
             <a:r>
               <a:rPr lang="en-US" dirty="0" smtClean="0"/>
-              <a:t>Free Lossless</a:t>
+              <a:t>Speech Impaired – dyslexia</a:t>
+            </a:r>
+          </a:p>
+          <a:p>
+            <a:r>
+              <a:rPr lang="en-US" dirty="0" smtClean="0"/>
+              <a:t>enhances listening skills – promotes attentiveness</a:t>
             </a:r>
             <a:r>
               <a:rPr lang="en-US" baseline="0" dirty="0" smtClean="0"/>
-              <a:t> Audio</a:t>
+              <a:t> in class</a:t>
             </a:r>
-          </a:p>
-          <a:p>
-            <a:r>
-              <a:rPr lang="en-US" baseline="0" dirty="0" smtClean="0"/>
-              <a:t>Linear 16 bit Pulse Code Manipulation </a:t>
-            </a:r>
-          </a:p>
-          <a:p>
-            <a:r>
-              <a:rPr lang="en-US" baseline="0" dirty="0" err="1" smtClean="0"/>
-              <a:t>Wavefore</a:t>
-            </a:r>
-            <a:r>
-              <a:rPr lang="en-US" baseline="0" dirty="0" smtClean="0"/>
-              <a:t> Audio File Format</a:t>
-            </a:r>
-          </a:p>
-          <a:p>
-            <a:r>
-              <a:rPr lang="en-US" baseline="0" dirty="0" err="1" smtClean="0"/>
-              <a:t>Ogg</a:t>
-            </a:r>
-            <a:r>
-              <a:rPr lang="en-US" baseline="0" dirty="0" smtClean="0"/>
-              <a:t> – opus codec</a:t>
-            </a:r>
-          </a:p>
-          <a:p>
-            <a:endParaRPr lang="en-US" baseline="0" dirty="0" smtClean="0"/>
-          </a:p>
-          <a:p>
-            <a:r>
-              <a:rPr lang="en-US" baseline="0" dirty="0" smtClean="0"/>
-              <a:t>sensors profanity for US </a:t>
-            </a:r>
-            <a:r>
-              <a:rPr lang="en-US" baseline="0" dirty="0" err="1" smtClean="0"/>
-              <a:t>english</a:t>
-            </a:r>
-            <a:endParaRPr lang="en-US" baseline="0" dirty="0" smtClean="0"/>
-          </a:p>
-          <a:p>
-            <a:endParaRPr lang="en-US" baseline="0" dirty="0" smtClean="0"/>
-          </a:p>
-          <a:p>
-            <a:r>
-              <a:rPr lang="en-US" baseline="0" dirty="0" smtClean="0"/>
-              <a:t>How to know which one is final? – final flag which is set to true when it is the final transcription</a:t>
-            </a:r>
-          </a:p>
-          <a:p>
-            <a:endParaRPr lang="en-US" baseline="0" dirty="0" smtClean="0"/>
-          </a:p>
-          <a:p>
-            <a:r>
-              <a:rPr lang="en-US" baseline="0" dirty="0" smtClean="0"/>
-              <a:t>Microphone:</a:t>
-            </a:r>
-          </a:p>
-          <a:p>
-            <a:r>
-              <a:rPr lang="en-US" baseline="0" dirty="0" smtClean="0"/>
-              <a:t>One Shot Delivery – 4mb</a:t>
-            </a:r>
-          </a:p>
-          <a:p>
-            <a:r>
-              <a:rPr lang="en-US" baseline="0" dirty="0" smtClean="0"/>
-              <a:t>Streaming – 100mb</a:t>
-            </a:r>
-            <a:endParaRPr lang="en-US" dirty="0"/>
+            <a:endParaRPr lang="en-US" dirty="0" smtClean="0"/>
+          </a:p>
+          <a:p>
+            <a:endParaRPr lang="en-US" dirty="0" smtClean="0"/>
           </a:p>
         </p:txBody>
       </p:sp>
@@ -805,7 +741,7 @@
           <a:p>
             <a:fld id="{3CB5FF05-6692-8F4F-AE0A-52B2DA572AE5}" type="slidenum">
               <a:rPr lang="en-US" smtClean="0"/>
-              <a:t>8</a:t>
+              <a:t>9</a:t>
             </a:fld>
             <a:endParaRPr lang="en-US"/>
           </a:p>
@@ -814,7 +750,7 @@
     </p:spTree>
     <p:extLst>
       <p:ext uri="{BB962C8B-B14F-4D97-AF65-F5344CB8AC3E}">
-        <p14:creationId xmlns:p14="http://schemas.microsoft.com/office/powerpoint/2010/main" val="3334426104"/>
+        <p14:creationId xmlns:p14="http://schemas.microsoft.com/office/powerpoint/2010/main" val="1922507375"/>
       </p:ext>
     </p:extLst>
   </p:cSld>
@@ -870,6 +806,168 @@
           <a:p>
             <a:r>
               <a:rPr lang="en-US" dirty="0" smtClean="0"/>
+              <a:t>Free Lossless</a:t>
+            </a:r>
+            <a:r>
+              <a:rPr lang="en-US" baseline="0" dirty="0" smtClean="0"/>
+              <a:t> Audio</a:t>
+            </a:r>
+          </a:p>
+          <a:p>
+            <a:r>
+              <a:rPr lang="en-US" baseline="0" dirty="0" smtClean="0"/>
+              <a:t>Linear 16 bit Pulse Code Manipulation </a:t>
+            </a:r>
+          </a:p>
+          <a:p>
+            <a:r>
+              <a:rPr lang="en-US" baseline="0" dirty="0" err="1" smtClean="0"/>
+              <a:t>Wavefore</a:t>
+            </a:r>
+            <a:r>
+              <a:rPr lang="en-US" baseline="0" dirty="0" smtClean="0"/>
+              <a:t> Audio File Format</a:t>
+            </a:r>
+          </a:p>
+          <a:p>
+            <a:r>
+              <a:rPr lang="en-US" baseline="0" dirty="0" err="1" smtClean="0"/>
+              <a:t>Ogg</a:t>
+            </a:r>
+            <a:r>
+              <a:rPr lang="en-US" baseline="0" dirty="0" smtClean="0"/>
+              <a:t> – opus codec</a:t>
+            </a:r>
+          </a:p>
+          <a:p>
+            <a:endParaRPr lang="en-US" baseline="0" dirty="0" smtClean="0"/>
+          </a:p>
+          <a:p>
+            <a:r>
+              <a:rPr lang="en-US" baseline="0" dirty="0" smtClean="0"/>
+              <a:t>sensors profanity for US </a:t>
+            </a:r>
+            <a:r>
+              <a:rPr lang="en-US" baseline="0" dirty="0" err="1" smtClean="0"/>
+              <a:t>english</a:t>
+            </a:r>
+            <a:endParaRPr lang="en-US" baseline="0" dirty="0" smtClean="0"/>
+          </a:p>
+          <a:p>
+            <a:endParaRPr lang="en-US" baseline="0" dirty="0" smtClean="0"/>
+          </a:p>
+          <a:p>
+            <a:r>
+              <a:rPr lang="en-US" baseline="0" dirty="0" smtClean="0"/>
+              <a:t>How to know which one is final? – final flag which is set to true when it is the final transcription</a:t>
+            </a:r>
+          </a:p>
+          <a:p>
+            <a:endParaRPr lang="en-US" baseline="0" dirty="0" smtClean="0"/>
+          </a:p>
+          <a:p>
+            <a:r>
+              <a:rPr lang="en-US" baseline="0" dirty="0" smtClean="0"/>
+              <a:t>Microphone:</a:t>
+            </a:r>
+          </a:p>
+          <a:p>
+            <a:r>
+              <a:rPr lang="en-US" baseline="0" dirty="0" smtClean="0"/>
+              <a:t>One Shot Delivery – 4mb</a:t>
+            </a:r>
+          </a:p>
+          <a:p>
+            <a:r>
+              <a:rPr lang="en-US" baseline="0" dirty="0" smtClean="0"/>
+              <a:t>Streaming – 100mb</a:t>
+            </a:r>
+            <a:endParaRPr lang="en-US" dirty="0"/>
+          </a:p>
+        </p:txBody>
+      </p:sp>
+      <p:sp>
+        <p:nvSpPr>
+          <p:cNvPr id="4" name="Slide Number Placeholder 3"/>
+          <p:cNvSpPr>
+            <a:spLocks noGrp="1"/>
+          </p:cNvSpPr>
+          <p:nvPr>
+            <p:ph type="sldNum" sz="quarter" idx="10"/>
+          </p:nvPr>
+        </p:nvSpPr>
+        <p:spPr/>
+        <p:txBody>
+          <a:bodyPr/>
+          <a:lstStyle/>
+          <a:p>
+            <a:fld id="{3CB5FF05-6692-8F4F-AE0A-52B2DA572AE5}" type="slidenum">
+              <a:rPr lang="en-US" smtClean="0"/>
+              <a:t>14</a:t>
+            </a:fld>
+            <a:endParaRPr lang="en-US"/>
+          </a:p>
+        </p:txBody>
+      </p:sp>
+    </p:spTree>
+    <p:extLst>
+      <p:ext uri="{BB962C8B-B14F-4D97-AF65-F5344CB8AC3E}">
+        <p14:creationId xmlns:p14="http://schemas.microsoft.com/office/powerpoint/2010/main" val="3334426104"/>
+      </p:ext>
+    </p:extLst>
+  </p:cSld>
+  <p:clrMapOvr>
+    <a:masterClrMapping/>
+  </p:clrMapOvr>
+</p:notes>
+</file>
+
+<file path=ppt/notesSlides/notesSlide5.xml><?xml version="1.0" encoding="utf-8"?>
+<p:notes xmlns:a="http://schemas.openxmlformats.org/drawingml/2006/main" xmlns:r="http://schemas.openxmlformats.org/officeDocument/2006/relationships" xmlns:p="http://schemas.openxmlformats.org/presentationml/2006/main">
+  <p:cSld>
+    <p:spTree>
+      <p:nvGrpSpPr>
+        <p:cNvPr id="1" name=""/>
+        <p:cNvGrpSpPr/>
+        <p:nvPr/>
+      </p:nvGrpSpPr>
+      <p:grpSpPr>
+        <a:xfrm>
+          <a:off x="0" y="0"/>
+          <a:ext cx="0" cy="0"/>
+          <a:chOff x="0" y="0"/>
+          <a:chExt cx="0" cy="0"/>
+        </a:xfrm>
+      </p:grpSpPr>
+      <p:sp>
+        <p:nvSpPr>
+          <p:cNvPr id="2" name="Slide Image Placeholder 1"/>
+          <p:cNvSpPr>
+            <a:spLocks noGrp="1" noRot="1" noChangeAspect="1"/>
+          </p:cNvSpPr>
+          <p:nvPr>
+            <p:ph type="sldImg"/>
+          </p:nvPr>
+        </p:nvSpPr>
+        <p:spPr/>
+      </p:sp>
+      <p:sp>
+        <p:nvSpPr>
+          <p:cNvPr id="3" name="Notes Placeholder 2"/>
+          <p:cNvSpPr>
+            <a:spLocks noGrp="1"/>
+          </p:cNvSpPr>
+          <p:nvPr>
+            <p:ph type="body" idx="1"/>
+          </p:nvPr>
+        </p:nvSpPr>
+        <p:spPr/>
+        <p:txBody>
+          <a:bodyPr/>
+          <a:lstStyle/>
+          <a:p>
+            <a:r>
+              <a:rPr lang="en-US" dirty="0" smtClean="0"/>
               <a:t>transcribing of calls that can be used for future use to provide more value to their customers and business</a:t>
             </a:r>
           </a:p>
@@ -918,7 +1016,7 @@
           <a:p>
             <a:fld id="{3CB5FF05-6692-8F4F-AE0A-52B2DA572AE5}" type="slidenum">
               <a:rPr lang="en-US" smtClean="0"/>
-              <a:t>9</a:t>
+              <a:t>15</a:t>
             </a:fld>
             <a:endParaRPr lang="en-US"/>
           </a:p>
@@ -2476,7 +2574,7 @@
             <a:fld id="{9EB5ECD5-515E-4817-8A06-1D2ED2C83850}" type="datetime4">
               <a:rPr lang="en-US" smtClean="0"/>
               <a:pPr/>
-              <a:t>February 19, 2016</a:t>
+              <a:t>February 28, 2016</a:t>
             </a:fld>
             <a:endParaRPr lang="en-US"/>
           </a:p>
@@ -3583,7 +3681,7 @@
             <a:fld id="{BA5B59F4-DDCB-41FF-83F5-A48440F36FA7}" type="datetime4">
               <a:rPr lang="en-US" smtClean="0"/>
               <a:pPr/>
-              <a:t>February 19, 2016</a:t>
+              <a:t>February 28, 2016</a:t>
             </a:fld>
             <a:endParaRPr lang="en-US"/>
           </a:p>
@@ -5636,7 +5734,7 @@
             <a:fld id="{48056348-D703-428C-A1C4-7D6796EF5F41}" type="datetime4">
               <a:rPr lang="en-US" smtClean="0"/>
               <a:pPr/>
-              <a:t>February 19, 2016</a:t>
+              <a:t>February 28, 2016</a:t>
             </a:fld>
             <a:endParaRPr lang="en-US"/>
           </a:p>
@@ -7684,7 +7782,7 @@
             <a:fld id="{732D1919-1B5F-4141-B613-3E5C6008A186}" type="datetime4">
               <a:rPr lang="en-US" smtClean="0"/>
               <a:pPr/>
-              <a:t>February 19, 2016</a:t>
+              <a:t>February 28, 2016</a:t>
             </a:fld>
             <a:endParaRPr lang="en-US"/>
           </a:p>
@@ -9279,7 +9377,7 @@
             <a:fld id="{BAD22427-B1DD-49E6-9F05-DE0F1467D7DC}" type="datetime4">
               <a:rPr lang="en-US" smtClean="0"/>
               <a:pPr/>
-              <a:t>February 19, 2016</a:t>
+              <a:t>February 28, 2016</a:t>
             </a:fld>
             <a:endParaRPr lang="en-US"/>
           </a:p>
@@ -10339,7 +10437,7 @@
             <a:fld id="{BBCCA7B5-8BC9-491C-A887-7C3E7ED947D8}" type="datetime4">
               <a:rPr lang="en-US" smtClean="0"/>
               <a:pPr/>
-              <a:t>February 19, 2016</a:t>
+              <a:t>February 28, 2016</a:t>
             </a:fld>
             <a:endParaRPr lang="en-US"/>
           </a:p>
@@ -11668,7 +11766,7 @@
             <a:fld id="{BDA18ED0-40F2-434C-A848-B92581875164}" type="datetime4">
               <a:rPr lang="en-US" smtClean="0"/>
               <a:pPr/>
-              <a:t>February 19, 2016</a:t>
+              <a:t>February 28, 2016</a:t>
             </a:fld>
             <a:endParaRPr lang="en-US"/>
           </a:p>
@@ -12807,7 +12905,7 @@
             <a:fld id="{7855437F-F4F9-44A9-B4D3-9191CA04E889}" type="datetime4">
               <a:rPr lang="en-US" smtClean="0"/>
               <a:pPr/>
-              <a:t>February 19, 2016</a:t>
+              <a:t>February 28, 2016</a:t>
             </a:fld>
             <a:endParaRPr lang="en-US"/>
           </a:p>
@@ -13865,7 +13963,7 @@
             <a:fld id="{39A24E59-01D0-4537-B876-7E5EC75B028D}" type="datetime4">
               <a:rPr lang="en-US" smtClean="0"/>
               <a:pPr/>
-              <a:t>February 19, 2016</a:t>
+              <a:t>February 28, 2016</a:t>
             </a:fld>
             <a:endParaRPr lang="en-US"/>
           </a:p>
@@ -14905,7 +15003,7 @@
             <a:fld id="{655A2E49-18A1-40BC-BA5D-5A2EC8FDDF15}" type="datetime4">
               <a:rPr lang="en-US" smtClean="0"/>
               <a:pPr/>
-              <a:t>February 19, 2016</a:t>
+              <a:t>February 28, 2016</a:t>
             </a:fld>
             <a:endParaRPr lang="en-US"/>
           </a:p>
@@ -16142,7 +16240,7 @@
             <a:fld id="{52983DA4-3B24-449B-95CA-514EB7E30A99}" type="datetime4">
               <a:rPr lang="en-US" smtClean="0"/>
               <a:pPr/>
-              <a:t>February 19, 2016</a:t>
+              <a:t>February 28, 2016</a:t>
             </a:fld>
             <a:endParaRPr lang="en-US"/>
           </a:p>
@@ -16497,7 +16595,7 @@
             <a:fld id="{942120D2-3948-4F8F-BE5D-E7E7D97880B2}" type="datetime4">
               <a:rPr lang="en-US" smtClean="0"/>
               <a:pPr/>
-              <a:t>February 19, 2016</a:t>
+              <a:t>February 28, 2016</a:t>
             </a:fld>
             <a:endParaRPr lang="en-US" dirty="0" err="1"/>
           </a:p>
@@ -17002,13 +17100,13 @@
         </p:spPr>
         <p:txBody>
           <a:bodyPr>
-            <a:normAutofit/>
+            <a:normAutofit fontScale="90000"/>
           </a:bodyPr>
           <a:lstStyle/>
           <a:p>
             <a:r>
               <a:rPr lang="en-US" sz="4000" dirty="0" smtClean="0"/>
-              <a:t>Text to speech</a:t>
+              <a:t>Text to speech SPEECH TO TEXT</a:t>
             </a:r>
             <a:endParaRPr lang="en-US" sz="4000" dirty="0"/>
           </a:p>
@@ -17028,6 +17126,965 @@
 </file>
 
 <file path=ppt/slides/slide10.xml><?xml version="1.0" encoding="utf-8"?>
+<p:sld xmlns:a="http://schemas.openxmlformats.org/drawingml/2006/main" xmlns:r="http://schemas.openxmlformats.org/officeDocument/2006/relationships" xmlns:p="http://schemas.openxmlformats.org/presentationml/2006/main">
+  <p:cSld>
+    <p:spTree>
+      <p:nvGrpSpPr>
+        <p:cNvPr id="1" name=""/>
+        <p:cNvGrpSpPr/>
+        <p:nvPr/>
+      </p:nvGrpSpPr>
+      <p:grpSpPr>
+        <a:xfrm>
+          <a:off x="0" y="0"/>
+          <a:ext cx="0" cy="0"/>
+          <a:chOff x="0" y="0"/>
+          <a:chExt cx="0" cy="0"/>
+        </a:xfrm>
+      </p:grpSpPr>
+      <p:sp>
+        <p:nvSpPr>
+          <p:cNvPr id="2" name="Title 1"/>
+          <p:cNvSpPr>
+            <a:spLocks noGrp="1"/>
+          </p:cNvSpPr>
+          <p:nvPr>
+            <p:ph type="ctrTitle"/>
+          </p:nvPr>
+        </p:nvSpPr>
+        <p:spPr>
+          <a:xfrm>
+            <a:off x="4476750" y="4016375"/>
+            <a:ext cx="4143375" cy="825499"/>
+          </a:xfrm>
+        </p:spPr>
+        <p:txBody>
+          <a:bodyPr>
+            <a:normAutofit/>
+          </a:bodyPr>
+          <a:lstStyle/>
+          <a:p>
+            <a:r>
+              <a:rPr lang="en-US" sz="4000" dirty="0" smtClean="0"/>
+              <a:t>Speech to Text</a:t>
+            </a:r>
+            <a:endParaRPr lang="en-US" sz="4000" dirty="0"/>
+          </a:p>
+        </p:txBody>
+      </p:sp>
+    </p:spTree>
+    <p:extLst>
+      <p:ext uri="{BB962C8B-B14F-4D97-AF65-F5344CB8AC3E}">
+        <p14:creationId xmlns:p14="http://schemas.microsoft.com/office/powerpoint/2010/main" val="2658704213"/>
+      </p:ext>
+    </p:extLst>
+  </p:cSld>
+  <p:clrMapOvr>
+    <a:masterClrMapping/>
+  </p:clrMapOvr>
+</p:sld>
+</file>
+
+<file path=ppt/slides/slide11.xml><?xml version="1.0" encoding="utf-8"?>
+<p:sld xmlns:a="http://schemas.openxmlformats.org/drawingml/2006/main" xmlns:r="http://schemas.openxmlformats.org/officeDocument/2006/relationships" xmlns:p="http://schemas.openxmlformats.org/presentationml/2006/main">
+  <p:cSld>
+    <p:spTree>
+      <p:nvGrpSpPr>
+        <p:cNvPr id="1" name=""/>
+        <p:cNvGrpSpPr/>
+        <p:nvPr/>
+      </p:nvGrpSpPr>
+      <p:grpSpPr>
+        <a:xfrm>
+          <a:off x="0" y="0"/>
+          <a:ext cx="0" cy="0"/>
+          <a:chOff x="0" y="0"/>
+          <a:chExt cx="0" cy="0"/>
+        </a:xfrm>
+      </p:grpSpPr>
+      <p:sp>
+        <p:nvSpPr>
+          <p:cNvPr id="2" name="Title 1"/>
+          <p:cNvSpPr>
+            <a:spLocks noGrp="1"/>
+          </p:cNvSpPr>
+          <p:nvPr>
+            <p:ph type="title"/>
+          </p:nvPr>
+        </p:nvSpPr>
+        <p:spPr/>
+        <p:txBody>
+          <a:bodyPr/>
+          <a:lstStyle/>
+          <a:p>
+            <a:r>
+              <a:rPr lang="en-US" dirty="0" smtClean="0"/>
+              <a:t>Description:</a:t>
+            </a:r>
+            <a:endParaRPr lang="en-US" dirty="0"/>
+          </a:p>
+        </p:txBody>
+      </p:sp>
+      <p:sp>
+        <p:nvSpPr>
+          <p:cNvPr id="3" name="Content Placeholder 2"/>
+          <p:cNvSpPr>
+            <a:spLocks noGrp="1"/>
+          </p:cNvSpPr>
+          <p:nvPr>
+            <p:ph idx="1"/>
+          </p:nvPr>
+        </p:nvSpPr>
+        <p:spPr>
+          <a:xfrm>
+            <a:off x="685800" y="2404662"/>
+            <a:ext cx="7947578" cy="1608923"/>
+          </a:xfrm>
+        </p:spPr>
+        <p:txBody>
+          <a:bodyPr>
+            <a:normAutofit/>
+          </a:bodyPr>
+          <a:lstStyle/>
+          <a:p>
+            <a:r>
+              <a:rPr lang="en-US" sz="4000" dirty="0" smtClean="0"/>
+              <a:t> converts human voice into text form.</a:t>
+            </a:r>
+            <a:endParaRPr lang="en-US" sz="4000" dirty="0"/>
+          </a:p>
+        </p:txBody>
+      </p:sp>
+    </p:spTree>
+    <p:extLst>
+      <p:ext uri="{BB962C8B-B14F-4D97-AF65-F5344CB8AC3E}">
+        <p14:creationId xmlns:p14="http://schemas.microsoft.com/office/powerpoint/2010/main" val="2286871447"/>
+      </p:ext>
+    </p:extLst>
+  </p:cSld>
+  <p:clrMapOvr>
+    <a:masterClrMapping/>
+  </p:clrMapOvr>
+</p:sld>
+</file>
+
+<file path=ppt/slides/slide12.xml><?xml version="1.0" encoding="utf-8"?>
+<p:sld xmlns:a="http://schemas.openxmlformats.org/drawingml/2006/main" xmlns:r="http://schemas.openxmlformats.org/officeDocument/2006/relationships" xmlns:p="http://schemas.openxmlformats.org/presentationml/2006/main">
+  <p:cSld>
+    <p:spTree>
+      <p:nvGrpSpPr>
+        <p:cNvPr id="1" name=""/>
+        <p:cNvGrpSpPr/>
+        <p:nvPr/>
+      </p:nvGrpSpPr>
+      <p:grpSpPr>
+        <a:xfrm>
+          <a:off x="0" y="0"/>
+          <a:ext cx="0" cy="0"/>
+          <a:chOff x="0" y="0"/>
+          <a:chExt cx="0" cy="0"/>
+        </a:xfrm>
+      </p:grpSpPr>
+      <p:sp>
+        <p:nvSpPr>
+          <p:cNvPr id="2" name="Title 1"/>
+          <p:cNvSpPr>
+            <a:spLocks noGrp="1"/>
+          </p:cNvSpPr>
+          <p:nvPr>
+            <p:ph type="title"/>
+          </p:nvPr>
+        </p:nvSpPr>
+        <p:spPr/>
+        <p:txBody>
+          <a:bodyPr/>
+          <a:lstStyle/>
+          <a:p>
+            <a:r>
+              <a:rPr lang="en-US" dirty="0" smtClean="0"/>
+              <a:t>BUILD.GRADLE</a:t>
+            </a:r>
+            <a:endParaRPr lang="en-US" dirty="0"/>
+          </a:p>
+        </p:txBody>
+      </p:sp>
+      <p:pic>
+        <p:nvPicPr>
+          <p:cNvPr id="4" name="Picture 3" descr="Screen Shot 2016-02-27 at 9.47.37 AM.png"/>
+          <p:cNvPicPr>
+            <a:picLocks noChangeAspect="1"/>
+          </p:cNvPicPr>
+          <p:nvPr/>
+        </p:nvPicPr>
+        <p:blipFill>
+          <a:blip r:embed="rId2">
+            <a:extLst>
+              <a:ext uri="{28A0092B-C50C-407E-A947-70E740481C1C}">
+                <a14:useLocalDpi xmlns:a14="http://schemas.microsoft.com/office/drawing/2010/main" val="0"/>
+              </a:ext>
+            </a:extLst>
+          </a:blip>
+          <a:stretch>
+            <a:fillRect/>
+          </a:stretch>
+        </p:blipFill>
+        <p:spPr>
+          <a:xfrm>
+            <a:off x="1281359" y="2767974"/>
+            <a:ext cx="6744473" cy="897127"/>
+          </a:xfrm>
+          <a:prstGeom prst="rect">
+            <a:avLst/>
+          </a:prstGeom>
+        </p:spPr>
+      </p:pic>
+    </p:spTree>
+    <p:extLst>
+      <p:ext uri="{BB962C8B-B14F-4D97-AF65-F5344CB8AC3E}">
+        <p14:creationId xmlns:p14="http://schemas.microsoft.com/office/powerpoint/2010/main" val="3900160988"/>
+      </p:ext>
+    </p:extLst>
+  </p:cSld>
+  <p:clrMapOvr>
+    <a:masterClrMapping/>
+  </p:clrMapOvr>
+</p:sld>
+</file>
+
+<file path=ppt/slides/slide13.xml><?xml version="1.0" encoding="utf-8"?>
+<p:sld xmlns:a="http://schemas.openxmlformats.org/drawingml/2006/main" xmlns:r="http://schemas.openxmlformats.org/officeDocument/2006/relationships" xmlns:p="http://schemas.openxmlformats.org/presentationml/2006/main">
+  <p:cSld>
+    <p:spTree>
+      <p:nvGrpSpPr>
+        <p:cNvPr id="1" name=""/>
+        <p:cNvGrpSpPr/>
+        <p:nvPr/>
+      </p:nvGrpSpPr>
+      <p:grpSpPr>
+        <a:xfrm>
+          <a:off x="0" y="0"/>
+          <a:ext cx="0" cy="0"/>
+          <a:chOff x="0" y="0"/>
+          <a:chExt cx="0" cy="0"/>
+        </a:xfrm>
+      </p:grpSpPr>
+      <p:sp>
+        <p:nvSpPr>
+          <p:cNvPr id="2" name="Title 1"/>
+          <p:cNvSpPr>
+            <a:spLocks noGrp="1"/>
+          </p:cNvSpPr>
+          <p:nvPr>
+            <p:ph type="title"/>
+          </p:nvPr>
+        </p:nvSpPr>
+        <p:spPr/>
+        <p:txBody>
+          <a:bodyPr/>
+          <a:lstStyle/>
+          <a:p>
+            <a:r>
+              <a:rPr lang="en-US" smtClean="0"/>
+              <a:t>import</a:t>
+            </a:r>
+            <a:endParaRPr lang="en-US" dirty="0"/>
+          </a:p>
+        </p:txBody>
+      </p:sp>
+      <p:pic>
+        <p:nvPicPr>
+          <p:cNvPr id="4" name="Picture 3" descr="Screen Shot 2016-02-27 at 9.55.12 AM.png"/>
+          <p:cNvPicPr>
+            <a:picLocks noChangeAspect="1"/>
+          </p:cNvPicPr>
+          <p:nvPr/>
+        </p:nvPicPr>
+        <p:blipFill>
+          <a:blip r:embed="rId2">
+            <a:extLst>
+              <a:ext uri="{28A0092B-C50C-407E-A947-70E740481C1C}">
+                <a14:useLocalDpi xmlns:a14="http://schemas.microsoft.com/office/drawing/2010/main" val="0"/>
+              </a:ext>
+            </a:extLst>
+          </a:blip>
+          <a:stretch>
+            <a:fillRect/>
+          </a:stretch>
+        </p:blipFill>
+        <p:spPr>
+          <a:xfrm>
+            <a:off x="112539" y="2592838"/>
+            <a:ext cx="8955091" cy="594862"/>
+          </a:xfrm>
+          <a:prstGeom prst="rect">
+            <a:avLst/>
+          </a:prstGeom>
+        </p:spPr>
+      </p:pic>
+    </p:spTree>
+    <p:extLst>
+      <p:ext uri="{BB962C8B-B14F-4D97-AF65-F5344CB8AC3E}">
+        <p14:creationId xmlns:p14="http://schemas.microsoft.com/office/powerpoint/2010/main" val="4222864425"/>
+      </p:ext>
+    </p:extLst>
+  </p:cSld>
+  <p:clrMapOvr>
+    <a:masterClrMapping/>
+  </p:clrMapOvr>
+</p:sld>
+</file>
+
+<file path=ppt/slides/slide14.xml><?xml version="1.0" encoding="utf-8"?>
+<p:sld xmlns:a="http://schemas.openxmlformats.org/drawingml/2006/main" xmlns:r="http://schemas.openxmlformats.org/officeDocument/2006/relationships" xmlns:p="http://schemas.openxmlformats.org/presentationml/2006/main">
+  <p:cSld>
+    <p:spTree>
+      <p:nvGrpSpPr>
+        <p:cNvPr id="1" name=""/>
+        <p:cNvGrpSpPr/>
+        <p:nvPr/>
+      </p:nvGrpSpPr>
+      <p:grpSpPr>
+        <a:xfrm>
+          <a:off x="0" y="0"/>
+          <a:ext cx="0" cy="0"/>
+          <a:chOff x="0" y="0"/>
+          <a:chExt cx="0" cy="0"/>
+        </a:xfrm>
+      </p:grpSpPr>
+      <p:sp>
+        <p:nvSpPr>
+          <p:cNvPr id="2" name="Title 1"/>
+          <p:cNvSpPr>
+            <a:spLocks noGrp="1"/>
+          </p:cNvSpPr>
+          <p:nvPr>
+            <p:ph type="title"/>
+          </p:nvPr>
+        </p:nvSpPr>
+        <p:spPr>
+          <a:xfrm>
+            <a:off x="685800" y="274638"/>
+            <a:ext cx="1802947" cy="1143000"/>
+          </a:xfrm>
+        </p:spPr>
+        <p:txBody>
+          <a:bodyPr/>
+          <a:lstStyle/>
+          <a:p>
+            <a:r>
+              <a:rPr lang="en-US" dirty="0" smtClean="0"/>
+              <a:t>Input:</a:t>
+            </a:r>
+            <a:endParaRPr lang="en-US" dirty="0"/>
+          </a:p>
+        </p:txBody>
+      </p:sp>
+      <p:sp>
+        <p:nvSpPr>
+          <p:cNvPr id="3" name="Content Placeholder 2"/>
+          <p:cNvSpPr>
+            <a:spLocks noGrp="1"/>
+          </p:cNvSpPr>
+          <p:nvPr>
+            <p:ph idx="1"/>
+          </p:nvPr>
+        </p:nvSpPr>
+        <p:spPr>
+          <a:xfrm>
+            <a:off x="77684" y="1188764"/>
+            <a:ext cx="4501016" cy="5018542"/>
+          </a:xfrm>
+        </p:spPr>
+        <p:txBody>
+          <a:bodyPr>
+            <a:normAutofit/>
+          </a:bodyPr>
+          <a:lstStyle/>
+          <a:p>
+            <a:r>
+              <a:rPr lang="en-US" sz="2600" dirty="0" smtClean="0"/>
+              <a:t>Microphone </a:t>
+            </a:r>
+            <a:endParaRPr lang="en-US" sz="2600" dirty="0"/>
+          </a:p>
+          <a:p>
+            <a:r>
+              <a:rPr lang="en-US" sz="2600" dirty="0" smtClean="0"/>
+              <a:t>File Upload (</a:t>
+            </a:r>
+            <a:r>
+              <a:rPr lang="en-US" sz="2600" dirty="0" err="1" smtClean="0"/>
+              <a:t>flac</a:t>
+            </a:r>
+            <a:r>
+              <a:rPr lang="en-US" sz="2600" dirty="0" smtClean="0"/>
+              <a:t>, l16, wav, </a:t>
+            </a:r>
+            <a:r>
+              <a:rPr lang="en-US" sz="2600" dirty="0" err="1" smtClean="0"/>
+              <a:t>ogg</a:t>
+            </a:r>
+            <a:r>
+              <a:rPr lang="en-US" sz="2600" dirty="0" smtClean="0"/>
+              <a:t>)</a:t>
+            </a:r>
+            <a:endParaRPr lang="en-US" sz="2600" dirty="0"/>
+          </a:p>
+          <a:p>
+            <a:r>
+              <a:rPr lang="en-US" sz="2600" dirty="0" smtClean="0"/>
+              <a:t>Supported languages include :</a:t>
+            </a:r>
+          </a:p>
+          <a:p>
+            <a:pPr lvl="1"/>
+            <a:r>
+              <a:rPr lang="en-US" sz="2000" dirty="0" smtClean="0"/>
+              <a:t>US English</a:t>
+            </a:r>
+          </a:p>
+          <a:p>
+            <a:pPr lvl="1"/>
+            <a:r>
+              <a:rPr lang="en-US" sz="2000" dirty="0" smtClean="0"/>
+              <a:t>UK English</a:t>
+            </a:r>
+          </a:p>
+          <a:p>
+            <a:pPr lvl="1"/>
+            <a:r>
+              <a:rPr lang="en-US" sz="2000" dirty="0" smtClean="0"/>
+              <a:t>Japanese</a:t>
+            </a:r>
+          </a:p>
+          <a:p>
+            <a:pPr lvl="1"/>
+            <a:r>
+              <a:rPr lang="en-US" sz="2000" dirty="0" smtClean="0"/>
+              <a:t>Spanish</a:t>
+            </a:r>
+          </a:p>
+          <a:p>
+            <a:pPr lvl="1"/>
+            <a:r>
+              <a:rPr lang="en-US" sz="2000" dirty="0" smtClean="0"/>
+              <a:t>Brazilian Portuguese</a:t>
+            </a:r>
+          </a:p>
+          <a:p>
+            <a:pPr lvl="1"/>
+            <a:r>
+              <a:rPr lang="en-US" sz="2000" dirty="0" smtClean="0"/>
+              <a:t>Modern Standard Arabic</a:t>
+            </a:r>
+          </a:p>
+          <a:p>
+            <a:pPr lvl="1"/>
+            <a:r>
+              <a:rPr lang="en-US" sz="2000" dirty="0" smtClean="0"/>
+              <a:t>Mandarin</a:t>
+            </a:r>
+            <a:endParaRPr lang="en-US" sz="2000" dirty="0"/>
+          </a:p>
+        </p:txBody>
+      </p:sp>
+      <p:sp>
+        <p:nvSpPr>
+          <p:cNvPr id="5" name="Content Placeholder 2"/>
+          <p:cNvSpPr txBox="1">
+            <a:spLocks/>
+          </p:cNvSpPr>
+          <p:nvPr/>
+        </p:nvSpPr>
+        <p:spPr>
+          <a:xfrm>
+            <a:off x="4868175" y="1417638"/>
+            <a:ext cx="3914091" cy="1849178"/>
+          </a:xfrm>
+          <a:prstGeom prst="rect">
+            <a:avLst/>
+          </a:prstGeom>
+        </p:spPr>
+        <p:txBody>
+          <a:bodyPr vert="horz" lIns="0" tIns="45720" rIns="0" bIns="45720" rtlCol="0">
+            <a:noAutofit/>
+          </a:bodyPr>
+          <a:lstStyle>
+            <a:lvl1pPr marL="342900" indent="-274320" algn="l" defTabSz="914400" rtl="0" eaLnBrk="1" latinLnBrk="0" hangingPunct="1">
+              <a:lnSpc>
+                <a:spcPct val="100000"/>
+              </a:lnSpc>
+              <a:spcBef>
+                <a:spcPts val="700"/>
+              </a:spcBef>
+              <a:buClr>
+                <a:schemeClr val="accent1"/>
+              </a:buClr>
+              <a:buSzPct val="85000"/>
+              <a:buFont typeface="Wingdings 3" pitchFamily="18" charset="2"/>
+              <a:buChar char=""/>
+              <a:defRPr sz="2000" kern="1200" baseline="0">
+                <a:solidFill>
+                  <a:schemeClr val="tx1"/>
+                </a:solidFill>
+                <a:latin typeface="+mn-lt"/>
+                <a:ea typeface="+mn-ea"/>
+                <a:cs typeface="+mn-cs"/>
+              </a:defRPr>
+            </a:lvl1pPr>
+            <a:lvl2pPr marL="742950" indent="-274320" algn="l" defTabSz="914400" rtl="0" eaLnBrk="1" latinLnBrk="0" hangingPunct="1">
+              <a:lnSpc>
+                <a:spcPct val="100000"/>
+              </a:lnSpc>
+              <a:spcBef>
+                <a:spcPts val="700"/>
+              </a:spcBef>
+              <a:buClr>
+                <a:schemeClr val="accent1"/>
+              </a:buClr>
+              <a:buSzPct val="85000"/>
+              <a:buFont typeface="Wingdings 3" pitchFamily="18" charset="2"/>
+              <a:buChar char=""/>
+              <a:defRPr sz="1600" kern="1200" baseline="0">
+                <a:solidFill>
+                  <a:schemeClr val="tx1"/>
+                </a:solidFill>
+                <a:latin typeface="+mn-lt"/>
+                <a:ea typeface="+mn-ea"/>
+                <a:cs typeface="+mn-cs"/>
+              </a:defRPr>
+            </a:lvl2pPr>
+            <a:lvl3pPr marL="1143000" indent="-274320" algn="l" defTabSz="914400" rtl="0" eaLnBrk="1" latinLnBrk="0" hangingPunct="1">
+              <a:lnSpc>
+                <a:spcPct val="100000"/>
+              </a:lnSpc>
+              <a:spcBef>
+                <a:spcPts val="700"/>
+              </a:spcBef>
+              <a:buClr>
+                <a:schemeClr val="accent1"/>
+              </a:buClr>
+              <a:buSzPct val="85000"/>
+              <a:buFont typeface="Wingdings 3" pitchFamily="18" charset="2"/>
+              <a:buChar char=""/>
+              <a:defRPr sz="1400" kern="1200" baseline="0">
+                <a:solidFill>
+                  <a:schemeClr val="tx1"/>
+                </a:solidFill>
+                <a:latin typeface="+mn-lt"/>
+                <a:ea typeface="+mn-ea"/>
+                <a:cs typeface="+mn-cs"/>
+              </a:defRPr>
+            </a:lvl3pPr>
+            <a:lvl4pPr marL="1600200" indent="-274320" algn="l" defTabSz="914400" rtl="0" eaLnBrk="1" latinLnBrk="0" hangingPunct="1">
+              <a:lnSpc>
+                <a:spcPct val="100000"/>
+              </a:lnSpc>
+              <a:spcBef>
+                <a:spcPts val="700"/>
+              </a:spcBef>
+              <a:buClr>
+                <a:schemeClr val="accent1"/>
+              </a:buClr>
+              <a:buSzPct val="85000"/>
+              <a:buFont typeface="Wingdings 3" pitchFamily="18" charset="2"/>
+              <a:buChar char=""/>
+              <a:defRPr sz="1400" kern="1200" baseline="0">
+                <a:solidFill>
+                  <a:schemeClr val="tx1"/>
+                </a:solidFill>
+                <a:latin typeface="+mn-lt"/>
+                <a:ea typeface="+mn-ea"/>
+                <a:cs typeface="+mn-cs"/>
+              </a:defRPr>
+            </a:lvl4pPr>
+            <a:lvl5pPr marL="2057400" indent="-274320" algn="l" defTabSz="914400" rtl="0" eaLnBrk="1" latinLnBrk="0" hangingPunct="1">
+              <a:lnSpc>
+                <a:spcPct val="100000"/>
+              </a:lnSpc>
+              <a:spcBef>
+                <a:spcPts val="700"/>
+              </a:spcBef>
+              <a:buClr>
+                <a:schemeClr val="accent1"/>
+              </a:buClr>
+              <a:buSzPct val="85000"/>
+              <a:buFont typeface="Wingdings 3" pitchFamily="18" charset="2"/>
+              <a:buChar char=""/>
+              <a:defRPr sz="1400" kern="1200" baseline="0">
+                <a:solidFill>
+                  <a:schemeClr val="tx1"/>
+                </a:solidFill>
+                <a:latin typeface="+mn-lt"/>
+                <a:ea typeface="+mn-ea"/>
+                <a:cs typeface="+mn-cs"/>
+              </a:defRPr>
+            </a:lvl5pPr>
+            <a:lvl6pPr marL="2514600" indent="-274320" algn="l" defTabSz="914400" rtl="0" eaLnBrk="1" latinLnBrk="0" hangingPunct="1">
+              <a:lnSpc>
+                <a:spcPct val="100000"/>
+              </a:lnSpc>
+              <a:spcBef>
+                <a:spcPts val="700"/>
+              </a:spcBef>
+              <a:buClr>
+                <a:schemeClr val="accent1"/>
+              </a:buClr>
+              <a:buSzPct val="85000"/>
+              <a:buFont typeface="Wingdings 3" pitchFamily="18" charset="2"/>
+              <a:buChar char=""/>
+              <a:defRPr sz="1400" kern="1200">
+                <a:solidFill>
+                  <a:schemeClr val="tx1"/>
+                </a:solidFill>
+                <a:latin typeface="+mn-lt"/>
+                <a:ea typeface="+mn-ea"/>
+                <a:cs typeface="+mn-cs"/>
+              </a:defRPr>
+            </a:lvl6pPr>
+            <a:lvl7pPr marL="2971800" indent="-274320" algn="l" defTabSz="914400" rtl="0" eaLnBrk="1" latinLnBrk="0" hangingPunct="1">
+              <a:lnSpc>
+                <a:spcPct val="100000"/>
+              </a:lnSpc>
+              <a:spcBef>
+                <a:spcPts val="700"/>
+              </a:spcBef>
+              <a:buClr>
+                <a:schemeClr val="accent1"/>
+              </a:buClr>
+              <a:buSzPct val="85000"/>
+              <a:buFont typeface="Wingdings 3" pitchFamily="18" charset="2"/>
+              <a:buChar char=""/>
+              <a:defRPr sz="1400" kern="1200">
+                <a:solidFill>
+                  <a:schemeClr val="tx1"/>
+                </a:solidFill>
+                <a:latin typeface="+mn-lt"/>
+                <a:ea typeface="+mn-ea"/>
+                <a:cs typeface="+mn-cs"/>
+              </a:defRPr>
+            </a:lvl7pPr>
+            <a:lvl8pPr marL="3429000" indent="-274320" algn="l" defTabSz="914400" rtl="0" eaLnBrk="1" latinLnBrk="0" hangingPunct="1">
+              <a:lnSpc>
+                <a:spcPct val="100000"/>
+              </a:lnSpc>
+              <a:spcBef>
+                <a:spcPts val="700"/>
+              </a:spcBef>
+              <a:buClr>
+                <a:schemeClr val="accent1"/>
+              </a:buClr>
+              <a:buSzPct val="85000"/>
+              <a:buFont typeface="Wingdings 3" pitchFamily="18" charset="2"/>
+              <a:buChar char=""/>
+              <a:defRPr sz="1400" kern="1200">
+                <a:solidFill>
+                  <a:schemeClr val="tx1"/>
+                </a:solidFill>
+                <a:latin typeface="+mn-lt"/>
+                <a:ea typeface="+mn-ea"/>
+                <a:cs typeface="+mn-cs"/>
+              </a:defRPr>
+            </a:lvl8pPr>
+            <a:lvl9pPr marL="3886200" indent="-274320" algn="l" defTabSz="914400" rtl="0" eaLnBrk="1" latinLnBrk="0" hangingPunct="1">
+              <a:lnSpc>
+                <a:spcPct val="100000"/>
+              </a:lnSpc>
+              <a:spcBef>
+                <a:spcPts val="700"/>
+              </a:spcBef>
+              <a:buClr>
+                <a:schemeClr val="accent1"/>
+              </a:buClr>
+              <a:buSzPct val="85000"/>
+              <a:buFont typeface="Wingdings 3" pitchFamily="18" charset="2"/>
+              <a:buChar char=""/>
+              <a:defRPr sz="1400" kern="1200">
+                <a:solidFill>
+                  <a:schemeClr val="tx1"/>
+                </a:solidFill>
+                <a:latin typeface="+mn-lt"/>
+                <a:ea typeface="+mn-ea"/>
+                <a:cs typeface="+mn-cs"/>
+              </a:defRPr>
+            </a:lvl9pPr>
+          </a:lstStyle>
+          <a:p>
+            <a:r>
+              <a:rPr lang="en-US" sz="2400" b="1" dirty="0" smtClean="0"/>
+              <a:t>Text Transcription</a:t>
+            </a:r>
+          </a:p>
+          <a:p>
+            <a:endParaRPr lang="en-US" sz="2400" dirty="0" smtClean="0"/>
+          </a:p>
+          <a:p>
+            <a:r>
+              <a:rPr lang="en-US" sz="2400" dirty="0" smtClean="0"/>
+              <a:t>timestamp of each transcribed word</a:t>
+            </a:r>
+          </a:p>
+          <a:p>
+            <a:r>
+              <a:rPr lang="en-US" sz="2400" dirty="0" smtClean="0"/>
+              <a:t>confidence score of whole transcribed input and each word</a:t>
+            </a:r>
+          </a:p>
+          <a:p>
+            <a:r>
+              <a:rPr lang="en-US" sz="2400" dirty="0" smtClean="0"/>
+              <a:t>alternative transcripts</a:t>
+            </a:r>
+            <a:endParaRPr lang="en-US" sz="2400" dirty="0"/>
+          </a:p>
+        </p:txBody>
+      </p:sp>
+      <p:sp>
+        <p:nvSpPr>
+          <p:cNvPr id="6" name="Title 1"/>
+          <p:cNvSpPr txBox="1">
+            <a:spLocks/>
+          </p:cNvSpPr>
+          <p:nvPr/>
+        </p:nvSpPr>
+        <p:spPr>
+          <a:xfrm>
+            <a:off x="5082813" y="274638"/>
+            <a:ext cx="2299946" cy="1143000"/>
+          </a:xfrm>
+          <a:prstGeom prst="rect">
+            <a:avLst/>
+          </a:prstGeom>
+        </p:spPr>
+        <p:txBody>
+          <a:bodyPr vert="horz" lIns="0" tIns="45720" rIns="0" bIns="45720" rtlCol="0" anchor="ctr">
+            <a:normAutofit/>
+          </a:bodyPr>
+          <a:lstStyle>
+            <a:lvl1pPr algn="l" defTabSz="914400" rtl="0" eaLnBrk="1" latinLnBrk="0" hangingPunct="1">
+              <a:spcBef>
+                <a:spcPct val="0"/>
+              </a:spcBef>
+              <a:buNone/>
+              <a:defRPr sz="3600" kern="1200" cap="all" baseline="0">
+                <a:solidFill>
+                  <a:schemeClr val="tx1"/>
+                </a:solidFill>
+                <a:latin typeface="+mj-lt"/>
+                <a:ea typeface="+mj-ea"/>
+                <a:cs typeface="+mj-cs"/>
+              </a:defRPr>
+            </a:lvl1pPr>
+            <a:lvl2pPr eaLnBrk="1" hangingPunct="1">
+              <a:defRPr>
+                <a:solidFill>
+                  <a:schemeClr val="tx2"/>
+                </a:solidFill>
+              </a:defRPr>
+            </a:lvl2pPr>
+            <a:lvl3pPr eaLnBrk="1" hangingPunct="1">
+              <a:defRPr>
+                <a:solidFill>
+                  <a:schemeClr val="tx2"/>
+                </a:solidFill>
+              </a:defRPr>
+            </a:lvl3pPr>
+            <a:lvl4pPr eaLnBrk="1" hangingPunct="1">
+              <a:defRPr>
+                <a:solidFill>
+                  <a:schemeClr val="tx2"/>
+                </a:solidFill>
+              </a:defRPr>
+            </a:lvl4pPr>
+            <a:lvl5pPr eaLnBrk="1" hangingPunct="1">
+              <a:defRPr>
+                <a:solidFill>
+                  <a:schemeClr val="tx2"/>
+                </a:solidFill>
+              </a:defRPr>
+            </a:lvl5pPr>
+            <a:lvl6pPr eaLnBrk="1" hangingPunct="1">
+              <a:defRPr>
+                <a:solidFill>
+                  <a:schemeClr val="tx2"/>
+                </a:solidFill>
+              </a:defRPr>
+            </a:lvl6pPr>
+            <a:lvl7pPr eaLnBrk="1" hangingPunct="1">
+              <a:defRPr>
+                <a:solidFill>
+                  <a:schemeClr val="tx2"/>
+                </a:solidFill>
+              </a:defRPr>
+            </a:lvl7pPr>
+            <a:lvl8pPr eaLnBrk="1" hangingPunct="1">
+              <a:defRPr>
+                <a:solidFill>
+                  <a:schemeClr val="tx2"/>
+                </a:solidFill>
+              </a:defRPr>
+            </a:lvl8pPr>
+            <a:lvl9pPr eaLnBrk="1" hangingPunct="1">
+              <a:defRPr>
+                <a:solidFill>
+                  <a:schemeClr val="tx2"/>
+                </a:solidFill>
+              </a:defRPr>
+            </a:lvl9pPr>
+          </a:lstStyle>
+          <a:p>
+            <a:r>
+              <a:rPr lang="en-US" dirty="0" err="1" smtClean="0"/>
+              <a:t>OUTput</a:t>
+            </a:r>
+            <a:r>
+              <a:rPr lang="en-US" dirty="0" smtClean="0"/>
+              <a:t>:</a:t>
+            </a:r>
+            <a:endParaRPr lang="en-US" dirty="0"/>
+          </a:p>
+        </p:txBody>
+      </p:sp>
+    </p:spTree>
+    <p:extLst>
+      <p:ext uri="{BB962C8B-B14F-4D97-AF65-F5344CB8AC3E}">
+        <p14:creationId xmlns:p14="http://schemas.microsoft.com/office/powerpoint/2010/main" val="3223069187"/>
+      </p:ext>
+    </p:extLst>
+  </p:cSld>
+  <p:clrMapOvr>
+    <a:masterClrMapping/>
+  </p:clrMapOvr>
+</p:sld>
+</file>
+
+<file path=ppt/slides/slide15.xml><?xml version="1.0" encoding="utf-8"?>
+<p:sld xmlns:a="http://schemas.openxmlformats.org/drawingml/2006/main" xmlns:r="http://schemas.openxmlformats.org/officeDocument/2006/relationships" xmlns:p="http://schemas.openxmlformats.org/presentationml/2006/main">
+  <p:cSld>
+    <p:spTree>
+      <p:nvGrpSpPr>
+        <p:cNvPr id="1" name=""/>
+        <p:cNvGrpSpPr/>
+        <p:nvPr/>
+      </p:nvGrpSpPr>
+      <p:grpSpPr>
+        <a:xfrm>
+          <a:off x="0" y="0"/>
+          <a:ext cx="0" cy="0"/>
+          <a:chOff x="0" y="0"/>
+          <a:chExt cx="0" cy="0"/>
+        </a:xfrm>
+      </p:grpSpPr>
+      <p:sp>
+        <p:nvSpPr>
+          <p:cNvPr id="2" name="Title 1"/>
+          <p:cNvSpPr>
+            <a:spLocks noGrp="1"/>
+          </p:cNvSpPr>
+          <p:nvPr>
+            <p:ph type="title"/>
+          </p:nvPr>
+        </p:nvSpPr>
+        <p:spPr/>
+        <p:txBody>
+          <a:bodyPr>
+            <a:noAutofit/>
+          </a:bodyPr>
+          <a:lstStyle/>
+          <a:p>
+            <a:r>
+              <a:rPr lang="en-US" dirty="0" smtClean="0"/>
+              <a:t>Intended Use:</a:t>
+            </a:r>
+            <a:br>
+              <a:rPr lang="en-US" dirty="0" smtClean="0"/>
+            </a:br>
+            <a:endParaRPr lang="en-US" dirty="0"/>
+          </a:p>
+        </p:txBody>
+      </p:sp>
+      <p:sp>
+        <p:nvSpPr>
+          <p:cNvPr id="3" name="Content Placeholder 2"/>
+          <p:cNvSpPr>
+            <a:spLocks noGrp="1"/>
+          </p:cNvSpPr>
+          <p:nvPr>
+            <p:ph idx="1"/>
+          </p:nvPr>
+        </p:nvSpPr>
+        <p:spPr/>
+        <p:txBody>
+          <a:bodyPr/>
+          <a:lstStyle/>
+          <a:p>
+            <a:r>
+              <a:rPr lang="en-US" dirty="0" smtClean="0"/>
+              <a:t>Vision Impaired Use</a:t>
+            </a:r>
+          </a:p>
+          <a:p>
+            <a:pPr marL="68580" indent="0">
+              <a:buNone/>
+            </a:pPr>
+            <a:endParaRPr lang="en-US" dirty="0" smtClean="0"/>
+          </a:p>
+          <a:p>
+            <a:r>
+              <a:rPr lang="en-US" dirty="0" smtClean="0"/>
+              <a:t>Accurate Speech Transcription</a:t>
+            </a:r>
+          </a:p>
+          <a:p>
+            <a:pPr lvl="1"/>
+            <a:r>
+              <a:rPr lang="en-US" dirty="0" smtClean="0"/>
+              <a:t>call centers</a:t>
+            </a:r>
+          </a:p>
+          <a:p>
+            <a:pPr lvl="1"/>
+            <a:r>
+              <a:rPr lang="en-US" dirty="0" smtClean="0"/>
+              <a:t>Taking notes in meeting and in class</a:t>
+            </a:r>
+          </a:p>
+          <a:p>
+            <a:pPr lvl="1"/>
+            <a:r>
+              <a:rPr lang="en-US" dirty="0" smtClean="0"/>
+              <a:t>Human and Computer Interaction (Voice Control Application)</a:t>
+            </a:r>
+            <a:endParaRPr lang="en-US" dirty="0"/>
+          </a:p>
+          <a:p>
+            <a:endParaRPr lang="en-US" dirty="0" smtClean="0"/>
+          </a:p>
+          <a:p>
+            <a:pPr marL="0" indent="0">
+              <a:buNone/>
+            </a:pPr>
+            <a:endParaRPr lang="en-US" dirty="0" smtClean="0"/>
+          </a:p>
+          <a:p>
+            <a:endParaRPr lang="en-US" dirty="0"/>
+          </a:p>
+        </p:txBody>
+      </p:sp>
+    </p:spTree>
+    <p:extLst>
+      <p:ext uri="{BB962C8B-B14F-4D97-AF65-F5344CB8AC3E}">
+        <p14:creationId xmlns:p14="http://schemas.microsoft.com/office/powerpoint/2010/main" val="3187848626"/>
+      </p:ext>
+    </p:extLst>
+  </p:cSld>
+  <p:clrMapOvr>
+    <a:masterClrMapping/>
+  </p:clrMapOvr>
+</p:sld>
+</file>
+
+<file path=ppt/slides/slide16.xml><?xml version="1.0" encoding="utf-8"?>
 <p:sld xmlns:a="http://schemas.openxmlformats.org/drawingml/2006/main" xmlns:r="http://schemas.openxmlformats.org/officeDocument/2006/relationships" xmlns:p="http://schemas.openxmlformats.org/presentationml/2006/main">
   <p:cSld>
     <p:spTree>
@@ -17233,6 +18290,209 @@
           <a:p>
             <a:r>
               <a:rPr lang="en-US" dirty="0" smtClean="0"/>
+              <a:t>Link:</a:t>
+            </a:r>
+            <a:endParaRPr lang="en-US" dirty="0"/>
+          </a:p>
+        </p:txBody>
+      </p:sp>
+      <p:sp>
+        <p:nvSpPr>
+          <p:cNvPr id="3" name="Content Placeholder 2"/>
+          <p:cNvSpPr>
+            <a:spLocks noGrp="1"/>
+          </p:cNvSpPr>
+          <p:nvPr>
+            <p:ph idx="1"/>
+          </p:nvPr>
+        </p:nvSpPr>
+        <p:spPr>
+          <a:xfrm>
+            <a:off x="685799" y="1994907"/>
+            <a:ext cx="8315325" cy="2973968"/>
+          </a:xfrm>
+        </p:spPr>
+        <p:txBody>
+          <a:bodyPr>
+            <a:normAutofit fontScale="92500" lnSpcReduction="10000"/>
+          </a:bodyPr>
+          <a:lstStyle/>
+          <a:p>
+            <a:r>
+              <a:rPr lang="en-US" sz="4000" dirty="0" smtClean="0"/>
+              <a:t>Text to Speech:</a:t>
+            </a:r>
+          </a:p>
+          <a:p>
+            <a:pPr lvl="1"/>
+            <a:r>
+              <a:rPr lang="en-US" sz="3600" dirty="0" err="1"/>
+              <a:t>jaocoloma.github.io</a:t>
+            </a:r>
+            <a:r>
+              <a:rPr lang="en-US" sz="3600" dirty="0"/>
+              <a:t>/</a:t>
+            </a:r>
+            <a:r>
+              <a:rPr lang="en-US" sz="3600" dirty="0" err="1"/>
+              <a:t>texttospeech</a:t>
+            </a:r>
+            <a:r>
+              <a:rPr lang="en-US" sz="3600" dirty="0" smtClean="0"/>
+              <a:t>/</a:t>
+            </a:r>
+          </a:p>
+          <a:p>
+            <a:pPr marL="468630" lvl="1" indent="0">
+              <a:buNone/>
+            </a:pPr>
+            <a:endParaRPr lang="en-US" sz="3600" dirty="0" smtClean="0"/>
+          </a:p>
+          <a:p>
+            <a:r>
+              <a:rPr lang="en-US" sz="4000" dirty="0" smtClean="0"/>
+              <a:t>Speech to Text</a:t>
+            </a:r>
+          </a:p>
+          <a:p>
+            <a:pPr lvl="1"/>
+            <a:r>
+              <a:rPr lang="en-US" sz="3600" dirty="0" err="1" smtClean="0"/>
+              <a:t>jaocoloma.github.io</a:t>
+            </a:r>
+            <a:r>
+              <a:rPr lang="en-US" sz="3600" dirty="0" smtClean="0"/>
+              <a:t>/</a:t>
+            </a:r>
+            <a:r>
+              <a:rPr lang="en-US" sz="3600" dirty="0" err="1" smtClean="0"/>
+              <a:t>speechtotext</a:t>
+            </a:r>
+            <a:r>
+              <a:rPr lang="en-US" sz="3600" dirty="0" smtClean="0"/>
+              <a:t>/</a:t>
+            </a:r>
+          </a:p>
+          <a:p>
+            <a:pPr lvl="1"/>
+            <a:endParaRPr lang="en-US" sz="3600" dirty="0"/>
+          </a:p>
+        </p:txBody>
+      </p:sp>
+    </p:spTree>
+    <p:extLst>
+      <p:ext uri="{BB962C8B-B14F-4D97-AF65-F5344CB8AC3E}">
+        <p14:creationId xmlns:p14="http://schemas.microsoft.com/office/powerpoint/2010/main" val="1018064692"/>
+      </p:ext>
+    </p:extLst>
+  </p:cSld>
+  <p:clrMapOvr>
+    <a:masterClrMapping/>
+  </p:clrMapOvr>
+  <p:timing>
+    <p:tnLst>
+      <p:par>
+        <p:cTn xmlns:p14="http://schemas.microsoft.com/office/powerpoint/2010/main" id="1" dur="indefinite" restart="never" nodeType="tmRoot"/>
+      </p:par>
+    </p:tnLst>
+  </p:timing>
+</p:sld>
+</file>
+
+<file path=ppt/slides/slide3.xml><?xml version="1.0" encoding="utf-8"?>
+<p:sld xmlns:a="http://schemas.openxmlformats.org/drawingml/2006/main" xmlns:r="http://schemas.openxmlformats.org/officeDocument/2006/relationships" xmlns:p="http://schemas.openxmlformats.org/presentationml/2006/main">
+  <p:cSld>
+    <p:spTree>
+      <p:nvGrpSpPr>
+        <p:cNvPr id="1" name=""/>
+        <p:cNvGrpSpPr/>
+        <p:nvPr/>
+      </p:nvGrpSpPr>
+      <p:grpSpPr>
+        <a:xfrm>
+          <a:off x="0" y="0"/>
+          <a:ext cx="0" cy="0"/>
+          <a:chOff x="0" y="0"/>
+          <a:chExt cx="0" cy="0"/>
+        </a:xfrm>
+      </p:grpSpPr>
+      <p:sp>
+        <p:nvSpPr>
+          <p:cNvPr id="2" name="Title 1"/>
+          <p:cNvSpPr>
+            <a:spLocks noGrp="1"/>
+          </p:cNvSpPr>
+          <p:nvPr>
+            <p:ph type="ctrTitle"/>
+          </p:nvPr>
+        </p:nvSpPr>
+        <p:spPr>
+          <a:xfrm>
+            <a:off x="4476750" y="4016375"/>
+            <a:ext cx="4143375" cy="825499"/>
+          </a:xfrm>
+        </p:spPr>
+        <p:txBody>
+          <a:bodyPr>
+            <a:normAutofit/>
+          </a:bodyPr>
+          <a:lstStyle/>
+          <a:p>
+            <a:r>
+              <a:rPr lang="en-US" sz="4000" dirty="0" smtClean="0"/>
+              <a:t>Text to speech</a:t>
+            </a:r>
+            <a:endParaRPr lang="en-US" sz="4000" dirty="0"/>
+          </a:p>
+        </p:txBody>
+      </p:sp>
+    </p:spTree>
+    <p:extLst>
+      <p:ext uri="{BB962C8B-B14F-4D97-AF65-F5344CB8AC3E}">
+        <p14:creationId xmlns:p14="http://schemas.microsoft.com/office/powerpoint/2010/main" val="1588379748"/>
+      </p:ext>
+    </p:extLst>
+  </p:cSld>
+  <p:clrMapOvr>
+    <a:masterClrMapping/>
+  </p:clrMapOvr>
+</p:sld>
+</file>
+
+<file path=ppt/slides/slide4.xml><?xml version="1.0" encoding="utf-8"?>
+<p:sld xmlns:a="http://schemas.openxmlformats.org/drawingml/2006/main" xmlns:r="http://schemas.openxmlformats.org/officeDocument/2006/relationships" xmlns:p="http://schemas.openxmlformats.org/presentationml/2006/main">
+  <p:cSld>
+    <p:spTree>
+      <p:nvGrpSpPr>
+        <p:cNvPr id="1" name=""/>
+        <p:cNvGrpSpPr/>
+        <p:nvPr/>
+      </p:nvGrpSpPr>
+      <p:grpSpPr>
+        <a:xfrm>
+          <a:off x="0" y="0"/>
+          <a:ext cx="0" cy="0"/>
+          <a:chOff x="0" y="0"/>
+          <a:chExt cx="0" cy="0"/>
+        </a:xfrm>
+      </p:grpSpPr>
+      <p:sp>
+        <p:nvSpPr>
+          <p:cNvPr id="2" name="Title 1"/>
+          <p:cNvSpPr>
+            <a:spLocks noGrp="1"/>
+          </p:cNvSpPr>
+          <p:nvPr>
+            <p:ph type="title"/>
+          </p:nvPr>
+        </p:nvSpPr>
+        <p:spPr/>
+        <p:txBody>
+          <a:bodyPr/>
+          <a:lstStyle/>
+          <a:p>
+            <a:r>
+              <a:rPr lang="en-US" dirty="0" smtClean="0"/>
               <a:t>Description:</a:t>
             </a:r>
             <a:endParaRPr lang="en-US" dirty="0"/>
@@ -17263,8 +18523,13 @@
           <a:p>
             <a:r>
               <a:rPr lang="en-US" sz="4000" dirty="0" smtClean="0"/>
-              <a:t>real time synthesizing of text input which results to natural language with correct intonation.. </a:t>
+              <a:t>real time synthesizing of text input which results to </a:t>
             </a:r>
+            <a:r>
+              <a:rPr lang="en-US" sz="4000" smtClean="0"/>
+              <a:t>natural language.</a:t>
+            </a:r>
+            <a:endParaRPr lang="en-US" sz="4000" dirty="0" smtClean="0"/>
           </a:p>
           <a:p>
             <a:pPr marL="68580" indent="0">
@@ -17283,7 +18548,7 @@
     </p:spTree>
     <p:extLst>
       <p:ext uri="{BB962C8B-B14F-4D97-AF65-F5344CB8AC3E}">
-        <p14:creationId xmlns:p14="http://schemas.microsoft.com/office/powerpoint/2010/main" val="1018064692"/>
+        <p14:creationId xmlns:p14="http://schemas.microsoft.com/office/powerpoint/2010/main" val="3099623865"/>
       </p:ext>
     </p:extLst>
   </p:cSld>
@@ -17300,7 +18565,173 @@
 </p:sld>
 </file>
 
-<file path=ppt/slides/slide3.xml><?xml version="1.0" encoding="utf-8"?>
+<file path=ppt/slides/slide5.xml><?xml version="1.0" encoding="utf-8"?>
+<p:sld xmlns:a="http://schemas.openxmlformats.org/drawingml/2006/main" xmlns:r="http://schemas.openxmlformats.org/officeDocument/2006/relationships" xmlns:p="http://schemas.openxmlformats.org/presentationml/2006/main">
+  <p:cSld>
+    <p:spTree>
+      <p:nvGrpSpPr>
+        <p:cNvPr id="1" name=""/>
+        <p:cNvGrpSpPr/>
+        <p:nvPr/>
+      </p:nvGrpSpPr>
+      <p:grpSpPr>
+        <a:xfrm>
+          <a:off x="0" y="0"/>
+          <a:ext cx="0" cy="0"/>
+          <a:chOff x="0" y="0"/>
+          <a:chExt cx="0" cy="0"/>
+        </a:xfrm>
+      </p:grpSpPr>
+      <p:sp>
+        <p:nvSpPr>
+          <p:cNvPr id="2" name="Title 1"/>
+          <p:cNvSpPr>
+            <a:spLocks noGrp="1"/>
+          </p:cNvSpPr>
+          <p:nvPr>
+            <p:ph type="title"/>
+          </p:nvPr>
+        </p:nvSpPr>
+        <p:spPr/>
+        <p:txBody>
+          <a:bodyPr/>
+          <a:lstStyle/>
+          <a:p>
+            <a:r>
+              <a:rPr lang="en-US" dirty="0" smtClean="0"/>
+              <a:t>BUILD.GRADLE</a:t>
+            </a:r>
+            <a:endParaRPr lang="en-US" dirty="0"/>
+          </a:p>
+        </p:txBody>
+      </p:sp>
+      <p:pic>
+        <p:nvPicPr>
+          <p:cNvPr id="4" name="Picture 3" descr="Screen Shot 2016-02-27 at 9.47.37 AM.png"/>
+          <p:cNvPicPr>
+            <a:picLocks noChangeAspect="1"/>
+          </p:cNvPicPr>
+          <p:nvPr/>
+        </p:nvPicPr>
+        <p:blipFill>
+          <a:blip r:embed="rId2">
+            <a:extLst>
+              <a:ext uri="{28A0092B-C50C-407E-A947-70E740481C1C}">
+                <a14:useLocalDpi xmlns:a14="http://schemas.microsoft.com/office/drawing/2010/main" val="0"/>
+              </a:ext>
+            </a:extLst>
+          </a:blip>
+          <a:stretch>
+            <a:fillRect/>
+          </a:stretch>
+        </p:blipFill>
+        <p:spPr>
+          <a:xfrm>
+            <a:off x="1281359" y="2767974"/>
+            <a:ext cx="6744473" cy="897127"/>
+          </a:xfrm>
+          <a:prstGeom prst="rect">
+            <a:avLst/>
+          </a:prstGeom>
+        </p:spPr>
+      </p:pic>
+    </p:spTree>
+    <p:extLst>
+      <p:ext uri="{BB962C8B-B14F-4D97-AF65-F5344CB8AC3E}">
+        <p14:creationId xmlns:p14="http://schemas.microsoft.com/office/powerpoint/2010/main" val="3138528437"/>
+      </p:ext>
+    </p:extLst>
+  </p:cSld>
+  <p:clrMapOvr>
+    <a:masterClrMapping/>
+  </p:clrMapOvr>
+</p:sld>
+</file>
+
+<file path=ppt/slides/slide6.xml><?xml version="1.0" encoding="utf-8"?>
+<p:sld xmlns:a="http://schemas.openxmlformats.org/drawingml/2006/main" xmlns:r="http://schemas.openxmlformats.org/officeDocument/2006/relationships" xmlns:p="http://schemas.openxmlformats.org/presentationml/2006/main">
+  <p:cSld>
+    <p:spTree>
+      <p:nvGrpSpPr>
+        <p:cNvPr id="1" name=""/>
+        <p:cNvGrpSpPr/>
+        <p:nvPr/>
+      </p:nvGrpSpPr>
+      <p:grpSpPr>
+        <a:xfrm>
+          <a:off x="0" y="0"/>
+          <a:ext cx="0" cy="0"/>
+          <a:chOff x="0" y="0"/>
+          <a:chExt cx="0" cy="0"/>
+        </a:xfrm>
+      </p:grpSpPr>
+      <p:sp>
+        <p:nvSpPr>
+          <p:cNvPr id="2" name="Title 1"/>
+          <p:cNvSpPr>
+            <a:spLocks noGrp="1"/>
+          </p:cNvSpPr>
+          <p:nvPr>
+            <p:ph type="title"/>
+          </p:nvPr>
+        </p:nvSpPr>
+        <p:spPr/>
+        <p:txBody>
+          <a:bodyPr/>
+          <a:lstStyle/>
+          <a:p>
+            <a:r>
+              <a:rPr lang="en-US" dirty="0" smtClean="0"/>
+              <a:t>IMPORT</a:t>
+            </a:r>
+            <a:endParaRPr lang="en-US" dirty="0"/>
+          </a:p>
+        </p:txBody>
+      </p:sp>
+      <p:pic>
+        <p:nvPicPr>
+          <p:cNvPr id="4" name="Picture 3" descr="Screen Shot 2016-02-27 at 9.55.56 AM.png"/>
+          <p:cNvPicPr>
+            <a:picLocks noChangeAspect="1"/>
+          </p:cNvPicPr>
+          <p:nvPr/>
+        </p:nvPicPr>
+        <p:blipFill>
+          <a:blip r:embed="rId2">
+            <a:extLst>
+              <a:ext uri="{28A0092B-C50C-407E-A947-70E740481C1C}">
+                <a14:useLocalDpi xmlns:a14="http://schemas.microsoft.com/office/drawing/2010/main" val="0"/>
+              </a:ext>
+            </a:extLst>
+          </a:blip>
+          <a:stretch>
+            <a:fillRect/>
+          </a:stretch>
+        </p:blipFill>
+        <p:spPr>
+          <a:xfrm>
+            <a:off x="130266" y="2716549"/>
+            <a:ext cx="8840902" cy="281782"/>
+          </a:xfrm>
+          <a:prstGeom prst="rect">
+            <a:avLst/>
+          </a:prstGeom>
+        </p:spPr>
+      </p:pic>
+    </p:spTree>
+    <p:extLst>
+      <p:ext uri="{BB962C8B-B14F-4D97-AF65-F5344CB8AC3E}">
+        <p14:creationId xmlns:p14="http://schemas.microsoft.com/office/powerpoint/2010/main" val="2357318675"/>
+      </p:ext>
+    </p:extLst>
+  </p:cSld>
+  <p:clrMapOvr>
+    <a:masterClrMapping/>
+  </p:clrMapOvr>
+</p:sld>
+</file>
+
+<file path=ppt/slides/slide7.xml><?xml version="1.0" encoding="utf-8"?>
 <p:sld xmlns:a="http://schemas.openxmlformats.org/drawingml/2006/main" xmlns:r="http://schemas.openxmlformats.org/officeDocument/2006/relationships" xmlns:p="http://schemas.openxmlformats.org/presentationml/2006/main">
   <p:cSld>
     <p:spTree>
@@ -17820,7 +19251,7 @@
 </p:sld>
 </file>
 
-<file path=ppt/slides/slide4.xml><?xml version="1.0" encoding="utf-8"?>
+<file path=ppt/slides/slide8.xml><?xml version="1.0" encoding="utf-8"?>
 <p:sld xmlns:a="http://schemas.openxmlformats.org/drawingml/2006/main" xmlns:r="http://schemas.openxmlformats.org/officeDocument/2006/relationships" xmlns:p="http://schemas.openxmlformats.org/presentationml/2006/main">
   <p:cSld>
     <p:spTree>
@@ -17929,809 +19360,6 @@
     <p:extLst>
       <p:ext uri="{BB962C8B-B14F-4D97-AF65-F5344CB8AC3E}">
         <p14:creationId xmlns:p14="http://schemas.microsoft.com/office/powerpoint/2010/main" val="3588406664"/>
-      </p:ext>
-    </p:extLst>
-  </p:cSld>
-  <p:clrMapOvr>
-    <a:masterClrMapping/>
-  </p:clrMapOvr>
-</p:sld>
-</file>
-
-<file path=ppt/slides/slide5.xml><?xml version="1.0" encoding="utf-8"?>
-<p:sld xmlns:a="http://schemas.openxmlformats.org/drawingml/2006/main" xmlns:r="http://schemas.openxmlformats.org/officeDocument/2006/relationships" xmlns:p="http://schemas.openxmlformats.org/presentationml/2006/main">
-  <p:cSld>
-    <p:spTree>
-      <p:nvGrpSpPr>
-        <p:cNvPr id="1" name=""/>
-        <p:cNvGrpSpPr/>
-        <p:nvPr/>
-      </p:nvGrpSpPr>
-      <p:grpSpPr>
-        <a:xfrm>
-          <a:off x="0" y="0"/>
-          <a:ext cx="0" cy="0"/>
-          <a:chOff x="0" y="0"/>
-          <a:chExt cx="0" cy="0"/>
-        </a:xfrm>
-      </p:grpSpPr>
-      <p:sp>
-        <p:nvSpPr>
-          <p:cNvPr id="2" name="Title 1"/>
-          <p:cNvSpPr>
-            <a:spLocks noGrp="1"/>
-          </p:cNvSpPr>
-          <p:nvPr>
-            <p:ph type="title"/>
-          </p:nvPr>
-        </p:nvSpPr>
-        <p:spPr/>
-        <p:txBody>
-          <a:bodyPr>
-            <a:noAutofit/>
-          </a:bodyPr>
-          <a:lstStyle/>
-          <a:p>
-            <a:r>
-              <a:rPr lang="en-US" dirty="0" err="1" smtClean="0"/>
-              <a:t>UseS</a:t>
-            </a:r>
-            <a:r>
-              <a:rPr lang="en-US" dirty="0" smtClean="0"/>
-              <a:t>:</a:t>
-            </a:r>
-            <a:br>
-              <a:rPr lang="en-US" dirty="0" smtClean="0"/>
-            </a:br>
-            <a:endParaRPr lang="en-US" dirty="0"/>
-          </a:p>
-        </p:txBody>
-      </p:sp>
-      <p:sp>
-        <p:nvSpPr>
-          <p:cNvPr id="3" name="Content Placeholder 2"/>
-          <p:cNvSpPr>
-            <a:spLocks noGrp="1"/>
-          </p:cNvSpPr>
-          <p:nvPr>
-            <p:ph idx="1"/>
-          </p:nvPr>
-        </p:nvSpPr>
-        <p:spPr>
-          <a:xfrm>
-            <a:off x="685800" y="1205498"/>
-            <a:ext cx="7772400" cy="3733800"/>
-          </a:xfrm>
-        </p:spPr>
-        <p:txBody>
-          <a:bodyPr>
-            <a:noAutofit/>
-          </a:bodyPr>
-          <a:lstStyle/>
-          <a:p>
-            <a:r>
-              <a:rPr lang="en-US" sz="3200" dirty="0" smtClean="0"/>
-              <a:t>Tool for Speech and  Visually Impaired</a:t>
-            </a:r>
-          </a:p>
-          <a:p>
-            <a:pPr marL="68580" indent="0">
-              <a:buNone/>
-            </a:pPr>
-            <a:endParaRPr lang="en-US" sz="3200" dirty="0" smtClean="0"/>
-          </a:p>
-          <a:p>
-            <a:r>
-              <a:rPr lang="en-US" sz="3200" dirty="0" smtClean="0"/>
-              <a:t>enhances listening skills</a:t>
-            </a:r>
-          </a:p>
-          <a:p>
-            <a:pPr marL="68580" indent="0">
-              <a:buNone/>
-            </a:pPr>
-            <a:endParaRPr lang="en-US" sz="3200" dirty="0" smtClean="0"/>
-          </a:p>
-          <a:p>
-            <a:r>
-              <a:rPr lang="en-US" sz="3200" dirty="0" smtClean="0"/>
-              <a:t>Foreign Language Learning</a:t>
-            </a:r>
-          </a:p>
-          <a:p>
-            <a:endParaRPr lang="en-US" sz="3200" dirty="0" smtClean="0"/>
-          </a:p>
-          <a:p>
-            <a:pPr marL="68580" indent="0">
-              <a:buNone/>
-            </a:pPr>
-            <a:endParaRPr lang="en-US" sz="3200" dirty="0"/>
-          </a:p>
-          <a:p>
-            <a:endParaRPr lang="en-US" sz="3200" dirty="0" smtClean="0"/>
-          </a:p>
-          <a:p>
-            <a:pPr marL="0" indent="0">
-              <a:buNone/>
-            </a:pPr>
-            <a:endParaRPr lang="en-US" sz="3200" dirty="0" smtClean="0"/>
-          </a:p>
-          <a:p>
-            <a:endParaRPr lang="en-US" sz="3200" dirty="0"/>
-          </a:p>
-        </p:txBody>
-      </p:sp>
-    </p:spTree>
-    <p:extLst>
-      <p:ext uri="{BB962C8B-B14F-4D97-AF65-F5344CB8AC3E}">
-        <p14:creationId xmlns:p14="http://schemas.microsoft.com/office/powerpoint/2010/main" val="2797301415"/>
-      </p:ext>
-    </p:extLst>
-  </p:cSld>
-  <p:clrMapOvr>
-    <a:masterClrMapping/>
-  </p:clrMapOvr>
-</p:sld>
-</file>
-
-<file path=ppt/slides/slide6.xml><?xml version="1.0" encoding="utf-8"?>
-<p:sld xmlns:a="http://schemas.openxmlformats.org/drawingml/2006/main" xmlns:r="http://schemas.openxmlformats.org/officeDocument/2006/relationships" xmlns:p="http://schemas.openxmlformats.org/presentationml/2006/main">
-  <p:cSld>
-    <p:spTree>
-      <p:nvGrpSpPr>
-        <p:cNvPr id="1" name=""/>
-        <p:cNvGrpSpPr/>
-        <p:nvPr/>
-      </p:nvGrpSpPr>
-      <p:grpSpPr>
-        <a:xfrm>
-          <a:off x="0" y="0"/>
-          <a:ext cx="0" cy="0"/>
-          <a:chOff x="0" y="0"/>
-          <a:chExt cx="0" cy="0"/>
-        </a:xfrm>
-      </p:grpSpPr>
-      <p:sp>
-        <p:nvSpPr>
-          <p:cNvPr id="2" name="Title 1"/>
-          <p:cNvSpPr>
-            <a:spLocks noGrp="1"/>
-          </p:cNvSpPr>
-          <p:nvPr>
-            <p:ph type="ctrTitle"/>
-          </p:nvPr>
-        </p:nvSpPr>
-        <p:spPr>
-          <a:xfrm>
-            <a:off x="4476750" y="4016375"/>
-            <a:ext cx="4143375" cy="825499"/>
-          </a:xfrm>
-        </p:spPr>
-        <p:txBody>
-          <a:bodyPr>
-            <a:normAutofit/>
-          </a:bodyPr>
-          <a:lstStyle/>
-          <a:p>
-            <a:r>
-              <a:rPr lang="en-US" sz="4000" dirty="0" smtClean="0"/>
-              <a:t>Speech to Text</a:t>
-            </a:r>
-            <a:endParaRPr lang="en-US" sz="4000" dirty="0"/>
-          </a:p>
-        </p:txBody>
-      </p:sp>
-    </p:spTree>
-    <p:extLst>
-      <p:ext uri="{BB962C8B-B14F-4D97-AF65-F5344CB8AC3E}">
-        <p14:creationId xmlns:p14="http://schemas.microsoft.com/office/powerpoint/2010/main" val="2658704213"/>
-      </p:ext>
-    </p:extLst>
-  </p:cSld>
-  <p:clrMapOvr>
-    <a:masterClrMapping/>
-  </p:clrMapOvr>
-</p:sld>
-</file>
-
-<file path=ppt/slides/slide7.xml><?xml version="1.0" encoding="utf-8"?>
-<p:sld xmlns:a="http://schemas.openxmlformats.org/drawingml/2006/main" xmlns:r="http://schemas.openxmlformats.org/officeDocument/2006/relationships" xmlns:p="http://schemas.openxmlformats.org/presentationml/2006/main">
-  <p:cSld>
-    <p:spTree>
-      <p:nvGrpSpPr>
-        <p:cNvPr id="1" name=""/>
-        <p:cNvGrpSpPr/>
-        <p:nvPr/>
-      </p:nvGrpSpPr>
-      <p:grpSpPr>
-        <a:xfrm>
-          <a:off x="0" y="0"/>
-          <a:ext cx="0" cy="0"/>
-          <a:chOff x="0" y="0"/>
-          <a:chExt cx="0" cy="0"/>
-        </a:xfrm>
-      </p:grpSpPr>
-      <p:sp>
-        <p:nvSpPr>
-          <p:cNvPr id="2" name="Title 1"/>
-          <p:cNvSpPr>
-            <a:spLocks noGrp="1"/>
-          </p:cNvSpPr>
-          <p:nvPr>
-            <p:ph type="title"/>
-          </p:nvPr>
-        </p:nvSpPr>
-        <p:spPr/>
-        <p:txBody>
-          <a:bodyPr/>
-          <a:lstStyle/>
-          <a:p>
-            <a:r>
-              <a:rPr lang="en-US" dirty="0" smtClean="0"/>
-              <a:t>Description:</a:t>
-            </a:r>
-            <a:endParaRPr lang="en-US" dirty="0"/>
-          </a:p>
-        </p:txBody>
-      </p:sp>
-      <p:sp>
-        <p:nvSpPr>
-          <p:cNvPr id="3" name="Content Placeholder 2"/>
-          <p:cNvSpPr>
-            <a:spLocks noGrp="1"/>
-          </p:cNvSpPr>
-          <p:nvPr>
-            <p:ph idx="1"/>
-          </p:nvPr>
-        </p:nvSpPr>
-        <p:spPr>
-          <a:xfrm>
-            <a:off x="685800" y="2404662"/>
-            <a:ext cx="7947578" cy="1608923"/>
-          </a:xfrm>
-        </p:spPr>
-        <p:txBody>
-          <a:bodyPr>
-            <a:normAutofit/>
-          </a:bodyPr>
-          <a:lstStyle/>
-          <a:p>
-            <a:r>
-              <a:rPr lang="en-US" sz="4000" dirty="0" smtClean="0"/>
-              <a:t> converts human voice into text form.</a:t>
-            </a:r>
-            <a:endParaRPr lang="en-US" sz="4000" dirty="0"/>
-          </a:p>
-        </p:txBody>
-      </p:sp>
-    </p:spTree>
-    <p:extLst>
-      <p:ext uri="{BB962C8B-B14F-4D97-AF65-F5344CB8AC3E}">
-        <p14:creationId xmlns:p14="http://schemas.microsoft.com/office/powerpoint/2010/main" val="2286871447"/>
-      </p:ext>
-    </p:extLst>
-  </p:cSld>
-  <p:clrMapOvr>
-    <a:masterClrMapping/>
-  </p:clrMapOvr>
-</p:sld>
-</file>
-
-<file path=ppt/slides/slide8.xml><?xml version="1.0" encoding="utf-8"?>
-<p:sld xmlns:a="http://schemas.openxmlformats.org/drawingml/2006/main" xmlns:r="http://schemas.openxmlformats.org/officeDocument/2006/relationships" xmlns:p="http://schemas.openxmlformats.org/presentationml/2006/main">
-  <p:cSld>
-    <p:spTree>
-      <p:nvGrpSpPr>
-        <p:cNvPr id="1" name=""/>
-        <p:cNvGrpSpPr/>
-        <p:nvPr/>
-      </p:nvGrpSpPr>
-      <p:grpSpPr>
-        <a:xfrm>
-          <a:off x="0" y="0"/>
-          <a:ext cx="0" cy="0"/>
-          <a:chOff x="0" y="0"/>
-          <a:chExt cx="0" cy="0"/>
-        </a:xfrm>
-      </p:grpSpPr>
-      <p:sp>
-        <p:nvSpPr>
-          <p:cNvPr id="2" name="Title 1"/>
-          <p:cNvSpPr>
-            <a:spLocks noGrp="1"/>
-          </p:cNvSpPr>
-          <p:nvPr>
-            <p:ph type="title"/>
-          </p:nvPr>
-        </p:nvSpPr>
-        <p:spPr>
-          <a:xfrm>
-            <a:off x="685800" y="274638"/>
-            <a:ext cx="1802947" cy="1143000"/>
-          </a:xfrm>
-        </p:spPr>
-        <p:txBody>
-          <a:bodyPr/>
-          <a:lstStyle/>
-          <a:p>
-            <a:r>
-              <a:rPr lang="en-US" dirty="0" smtClean="0"/>
-              <a:t>Input:</a:t>
-            </a:r>
-            <a:endParaRPr lang="en-US" dirty="0"/>
-          </a:p>
-        </p:txBody>
-      </p:sp>
-      <p:sp>
-        <p:nvSpPr>
-          <p:cNvPr id="3" name="Content Placeholder 2"/>
-          <p:cNvSpPr>
-            <a:spLocks noGrp="1"/>
-          </p:cNvSpPr>
-          <p:nvPr>
-            <p:ph idx="1"/>
-          </p:nvPr>
-        </p:nvSpPr>
-        <p:spPr>
-          <a:xfrm>
-            <a:off x="77684" y="1188764"/>
-            <a:ext cx="4501016" cy="5018542"/>
-          </a:xfrm>
-        </p:spPr>
-        <p:txBody>
-          <a:bodyPr>
-            <a:normAutofit/>
-          </a:bodyPr>
-          <a:lstStyle/>
-          <a:p>
-            <a:r>
-              <a:rPr lang="en-US" sz="2600" dirty="0" smtClean="0"/>
-              <a:t>Microphone </a:t>
-            </a:r>
-            <a:endParaRPr lang="en-US" sz="2600" dirty="0"/>
-          </a:p>
-          <a:p>
-            <a:r>
-              <a:rPr lang="en-US" sz="2600" dirty="0" smtClean="0"/>
-              <a:t>File Upload (</a:t>
-            </a:r>
-            <a:r>
-              <a:rPr lang="en-US" sz="2600" dirty="0" err="1" smtClean="0"/>
-              <a:t>flac</a:t>
-            </a:r>
-            <a:r>
-              <a:rPr lang="en-US" sz="2600" dirty="0" smtClean="0"/>
-              <a:t>, l16, wav, </a:t>
-            </a:r>
-            <a:r>
-              <a:rPr lang="en-US" sz="2600" dirty="0" err="1" smtClean="0"/>
-              <a:t>ogg</a:t>
-            </a:r>
-            <a:r>
-              <a:rPr lang="en-US" sz="2600" dirty="0" smtClean="0"/>
-              <a:t>)</a:t>
-            </a:r>
-            <a:endParaRPr lang="en-US" sz="2600" dirty="0"/>
-          </a:p>
-          <a:p>
-            <a:r>
-              <a:rPr lang="en-US" sz="2600" dirty="0" smtClean="0"/>
-              <a:t>Supported languages include :</a:t>
-            </a:r>
-          </a:p>
-          <a:p>
-            <a:pPr lvl="1"/>
-            <a:r>
-              <a:rPr lang="en-US" sz="2000" dirty="0" smtClean="0"/>
-              <a:t>US English</a:t>
-            </a:r>
-          </a:p>
-          <a:p>
-            <a:pPr lvl="1"/>
-            <a:r>
-              <a:rPr lang="en-US" sz="2000" dirty="0" smtClean="0"/>
-              <a:t>UK English</a:t>
-            </a:r>
-          </a:p>
-          <a:p>
-            <a:pPr lvl="1"/>
-            <a:r>
-              <a:rPr lang="en-US" sz="2000" dirty="0" smtClean="0"/>
-              <a:t>Japanese</a:t>
-            </a:r>
-          </a:p>
-          <a:p>
-            <a:pPr lvl="1"/>
-            <a:r>
-              <a:rPr lang="en-US" sz="2000" dirty="0" smtClean="0"/>
-              <a:t>Spanish</a:t>
-            </a:r>
-          </a:p>
-          <a:p>
-            <a:pPr lvl="1"/>
-            <a:r>
-              <a:rPr lang="en-US" sz="2000" dirty="0" smtClean="0"/>
-              <a:t>Brazilian Portuguese</a:t>
-            </a:r>
-          </a:p>
-          <a:p>
-            <a:pPr lvl="1"/>
-            <a:r>
-              <a:rPr lang="en-US" sz="2000" dirty="0" smtClean="0"/>
-              <a:t>Modern Standard Arabic</a:t>
-            </a:r>
-          </a:p>
-          <a:p>
-            <a:pPr lvl="1"/>
-            <a:r>
-              <a:rPr lang="en-US" sz="2000" dirty="0" smtClean="0"/>
-              <a:t>Mandarin</a:t>
-            </a:r>
-            <a:endParaRPr lang="en-US" sz="2000" dirty="0"/>
-          </a:p>
-        </p:txBody>
-      </p:sp>
-      <p:sp>
-        <p:nvSpPr>
-          <p:cNvPr id="5" name="Content Placeholder 2"/>
-          <p:cNvSpPr txBox="1">
-            <a:spLocks/>
-          </p:cNvSpPr>
-          <p:nvPr/>
-        </p:nvSpPr>
-        <p:spPr>
-          <a:xfrm>
-            <a:off x="4868175" y="1417638"/>
-            <a:ext cx="3914091" cy="1849178"/>
-          </a:xfrm>
-          <a:prstGeom prst="rect">
-            <a:avLst/>
-          </a:prstGeom>
-        </p:spPr>
-        <p:txBody>
-          <a:bodyPr vert="horz" lIns="0" tIns="45720" rIns="0" bIns="45720" rtlCol="0">
-            <a:noAutofit/>
-          </a:bodyPr>
-          <a:lstStyle>
-            <a:lvl1pPr marL="342900" indent="-274320" algn="l" defTabSz="914400" rtl="0" eaLnBrk="1" latinLnBrk="0" hangingPunct="1">
-              <a:lnSpc>
-                <a:spcPct val="100000"/>
-              </a:lnSpc>
-              <a:spcBef>
-                <a:spcPts val="700"/>
-              </a:spcBef>
-              <a:buClr>
-                <a:schemeClr val="accent1"/>
-              </a:buClr>
-              <a:buSzPct val="85000"/>
-              <a:buFont typeface="Wingdings 3" pitchFamily="18" charset="2"/>
-              <a:buChar char=""/>
-              <a:defRPr sz="2000" kern="1200" baseline="0">
-                <a:solidFill>
-                  <a:schemeClr val="tx1"/>
-                </a:solidFill>
-                <a:latin typeface="+mn-lt"/>
-                <a:ea typeface="+mn-ea"/>
-                <a:cs typeface="+mn-cs"/>
-              </a:defRPr>
-            </a:lvl1pPr>
-            <a:lvl2pPr marL="742950" indent="-274320" algn="l" defTabSz="914400" rtl="0" eaLnBrk="1" latinLnBrk="0" hangingPunct="1">
-              <a:lnSpc>
-                <a:spcPct val="100000"/>
-              </a:lnSpc>
-              <a:spcBef>
-                <a:spcPts val="700"/>
-              </a:spcBef>
-              <a:buClr>
-                <a:schemeClr val="accent1"/>
-              </a:buClr>
-              <a:buSzPct val="85000"/>
-              <a:buFont typeface="Wingdings 3" pitchFamily="18" charset="2"/>
-              <a:buChar char=""/>
-              <a:defRPr sz="1600" kern="1200" baseline="0">
-                <a:solidFill>
-                  <a:schemeClr val="tx1"/>
-                </a:solidFill>
-                <a:latin typeface="+mn-lt"/>
-                <a:ea typeface="+mn-ea"/>
-                <a:cs typeface="+mn-cs"/>
-              </a:defRPr>
-            </a:lvl2pPr>
-            <a:lvl3pPr marL="1143000" indent="-274320" algn="l" defTabSz="914400" rtl="0" eaLnBrk="1" latinLnBrk="0" hangingPunct="1">
-              <a:lnSpc>
-                <a:spcPct val="100000"/>
-              </a:lnSpc>
-              <a:spcBef>
-                <a:spcPts val="700"/>
-              </a:spcBef>
-              <a:buClr>
-                <a:schemeClr val="accent1"/>
-              </a:buClr>
-              <a:buSzPct val="85000"/>
-              <a:buFont typeface="Wingdings 3" pitchFamily="18" charset="2"/>
-              <a:buChar char=""/>
-              <a:defRPr sz="1400" kern="1200" baseline="0">
-                <a:solidFill>
-                  <a:schemeClr val="tx1"/>
-                </a:solidFill>
-                <a:latin typeface="+mn-lt"/>
-                <a:ea typeface="+mn-ea"/>
-                <a:cs typeface="+mn-cs"/>
-              </a:defRPr>
-            </a:lvl3pPr>
-            <a:lvl4pPr marL="1600200" indent="-274320" algn="l" defTabSz="914400" rtl="0" eaLnBrk="1" latinLnBrk="0" hangingPunct="1">
-              <a:lnSpc>
-                <a:spcPct val="100000"/>
-              </a:lnSpc>
-              <a:spcBef>
-                <a:spcPts val="700"/>
-              </a:spcBef>
-              <a:buClr>
-                <a:schemeClr val="accent1"/>
-              </a:buClr>
-              <a:buSzPct val="85000"/>
-              <a:buFont typeface="Wingdings 3" pitchFamily="18" charset="2"/>
-              <a:buChar char=""/>
-              <a:defRPr sz="1400" kern="1200" baseline="0">
-                <a:solidFill>
-                  <a:schemeClr val="tx1"/>
-                </a:solidFill>
-                <a:latin typeface="+mn-lt"/>
-                <a:ea typeface="+mn-ea"/>
-                <a:cs typeface="+mn-cs"/>
-              </a:defRPr>
-            </a:lvl4pPr>
-            <a:lvl5pPr marL="2057400" indent="-274320" algn="l" defTabSz="914400" rtl="0" eaLnBrk="1" latinLnBrk="0" hangingPunct="1">
-              <a:lnSpc>
-                <a:spcPct val="100000"/>
-              </a:lnSpc>
-              <a:spcBef>
-                <a:spcPts val="700"/>
-              </a:spcBef>
-              <a:buClr>
-                <a:schemeClr val="accent1"/>
-              </a:buClr>
-              <a:buSzPct val="85000"/>
-              <a:buFont typeface="Wingdings 3" pitchFamily="18" charset="2"/>
-              <a:buChar char=""/>
-              <a:defRPr sz="1400" kern="1200" baseline="0">
-                <a:solidFill>
-                  <a:schemeClr val="tx1"/>
-                </a:solidFill>
-                <a:latin typeface="+mn-lt"/>
-                <a:ea typeface="+mn-ea"/>
-                <a:cs typeface="+mn-cs"/>
-              </a:defRPr>
-            </a:lvl5pPr>
-            <a:lvl6pPr marL="2514600" indent="-274320" algn="l" defTabSz="914400" rtl="0" eaLnBrk="1" latinLnBrk="0" hangingPunct="1">
-              <a:lnSpc>
-                <a:spcPct val="100000"/>
-              </a:lnSpc>
-              <a:spcBef>
-                <a:spcPts val="700"/>
-              </a:spcBef>
-              <a:buClr>
-                <a:schemeClr val="accent1"/>
-              </a:buClr>
-              <a:buSzPct val="85000"/>
-              <a:buFont typeface="Wingdings 3" pitchFamily="18" charset="2"/>
-              <a:buChar char=""/>
-              <a:defRPr sz="1400" kern="1200">
-                <a:solidFill>
-                  <a:schemeClr val="tx1"/>
-                </a:solidFill>
-                <a:latin typeface="+mn-lt"/>
-                <a:ea typeface="+mn-ea"/>
-                <a:cs typeface="+mn-cs"/>
-              </a:defRPr>
-            </a:lvl6pPr>
-            <a:lvl7pPr marL="2971800" indent="-274320" algn="l" defTabSz="914400" rtl="0" eaLnBrk="1" latinLnBrk="0" hangingPunct="1">
-              <a:lnSpc>
-                <a:spcPct val="100000"/>
-              </a:lnSpc>
-              <a:spcBef>
-                <a:spcPts val="700"/>
-              </a:spcBef>
-              <a:buClr>
-                <a:schemeClr val="accent1"/>
-              </a:buClr>
-              <a:buSzPct val="85000"/>
-              <a:buFont typeface="Wingdings 3" pitchFamily="18" charset="2"/>
-              <a:buChar char=""/>
-              <a:defRPr sz="1400" kern="1200">
-                <a:solidFill>
-                  <a:schemeClr val="tx1"/>
-                </a:solidFill>
-                <a:latin typeface="+mn-lt"/>
-                <a:ea typeface="+mn-ea"/>
-                <a:cs typeface="+mn-cs"/>
-              </a:defRPr>
-            </a:lvl7pPr>
-            <a:lvl8pPr marL="3429000" indent="-274320" algn="l" defTabSz="914400" rtl="0" eaLnBrk="1" latinLnBrk="0" hangingPunct="1">
-              <a:lnSpc>
-                <a:spcPct val="100000"/>
-              </a:lnSpc>
-              <a:spcBef>
-                <a:spcPts val="700"/>
-              </a:spcBef>
-              <a:buClr>
-                <a:schemeClr val="accent1"/>
-              </a:buClr>
-              <a:buSzPct val="85000"/>
-              <a:buFont typeface="Wingdings 3" pitchFamily="18" charset="2"/>
-              <a:buChar char=""/>
-              <a:defRPr sz="1400" kern="1200">
-                <a:solidFill>
-                  <a:schemeClr val="tx1"/>
-                </a:solidFill>
-                <a:latin typeface="+mn-lt"/>
-                <a:ea typeface="+mn-ea"/>
-                <a:cs typeface="+mn-cs"/>
-              </a:defRPr>
-            </a:lvl8pPr>
-            <a:lvl9pPr marL="3886200" indent="-274320" algn="l" defTabSz="914400" rtl="0" eaLnBrk="1" latinLnBrk="0" hangingPunct="1">
-              <a:lnSpc>
-                <a:spcPct val="100000"/>
-              </a:lnSpc>
-              <a:spcBef>
-                <a:spcPts val="700"/>
-              </a:spcBef>
-              <a:buClr>
-                <a:schemeClr val="accent1"/>
-              </a:buClr>
-              <a:buSzPct val="85000"/>
-              <a:buFont typeface="Wingdings 3" pitchFamily="18" charset="2"/>
-              <a:buChar char=""/>
-              <a:defRPr sz="1400" kern="1200">
-                <a:solidFill>
-                  <a:schemeClr val="tx1"/>
-                </a:solidFill>
-                <a:latin typeface="+mn-lt"/>
-                <a:ea typeface="+mn-ea"/>
-                <a:cs typeface="+mn-cs"/>
-              </a:defRPr>
-            </a:lvl9pPr>
-          </a:lstStyle>
-          <a:p>
-            <a:r>
-              <a:rPr lang="en-US" sz="2400" b="1" dirty="0" smtClean="0"/>
-              <a:t>Text Transcription</a:t>
-            </a:r>
-          </a:p>
-          <a:p>
-            <a:endParaRPr lang="en-US" sz="2400" dirty="0" smtClean="0"/>
-          </a:p>
-          <a:p>
-            <a:r>
-              <a:rPr lang="en-US" sz="2400" dirty="0" smtClean="0"/>
-              <a:t>timestamp of each transcribed word</a:t>
-            </a:r>
-          </a:p>
-          <a:p>
-            <a:r>
-              <a:rPr lang="en-US" sz="2400" dirty="0" smtClean="0"/>
-              <a:t>confidence score of whole transcribed input and each word</a:t>
-            </a:r>
-          </a:p>
-          <a:p>
-            <a:r>
-              <a:rPr lang="en-US" sz="2400" dirty="0" smtClean="0"/>
-              <a:t>alternative transcripts</a:t>
-            </a:r>
-            <a:endParaRPr lang="en-US" sz="2400" dirty="0"/>
-          </a:p>
-        </p:txBody>
-      </p:sp>
-      <p:sp>
-        <p:nvSpPr>
-          <p:cNvPr id="6" name="Title 1"/>
-          <p:cNvSpPr txBox="1">
-            <a:spLocks/>
-          </p:cNvSpPr>
-          <p:nvPr/>
-        </p:nvSpPr>
-        <p:spPr>
-          <a:xfrm>
-            <a:off x="5082813" y="274638"/>
-            <a:ext cx="2299946" cy="1143000"/>
-          </a:xfrm>
-          <a:prstGeom prst="rect">
-            <a:avLst/>
-          </a:prstGeom>
-        </p:spPr>
-        <p:txBody>
-          <a:bodyPr vert="horz" lIns="0" tIns="45720" rIns="0" bIns="45720" rtlCol="0" anchor="ctr">
-            <a:normAutofit/>
-          </a:bodyPr>
-          <a:lstStyle>
-            <a:lvl1pPr algn="l" defTabSz="914400" rtl="0" eaLnBrk="1" latinLnBrk="0" hangingPunct="1">
-              <a:spcBef>
-                <a:spcPct val="0"/>
-              </a:spcBef>
-              <a:buNone/>
-              <a:defRPr sz="3600" kern="1200" cap="all" baseline="0">
-                <a:solidFill>
-                  <a:schemeClr val="tx1"/>
-                </a:solidFill>
-                <a:latin typeface="+mj-lt"/>
-                <a:ea typeface="+mj-ea"/>
-                <a:cs typeface="+mj-cs"/>
-              </a:defRPr>
-            </a:lvl1pPr>
-            <a:lvl2pPr eaLnBrk="1" hangingPunct="1">
-              <a:defRPr>
-                <a:solidFill>
-                  <a:schemeClr val="tx2"/>
-                </a:solidFill>
-              </a:defRPr>
-            </a:lvl2pPr>
-            <a:lvl3pPr eaLnBrk="1" hangingPunct="1">
-              <a:defRPr>
-                <a:solidFill>
-                  <a:schemeClr val="tx2"/>
-                </a:solidFill>
-              </a:defRPr>
-            </a:lvl3pPr>
-            <a:lvl4pPr eaLnBrk="1" hangingPunct="1">
-              <a:defRPr>
-                <a:solidFill>
-                  <a:schemeClr val="tx2"/>
-                </a:solidFill>
-              </a:defRPr>
-            </a:lvl4pPr>
-            <a:lvl5pPr eaLnBrk="1" hangingPunct="1">
-              <a:defRPr>
-                <a:solidFill>
-                  <a:schemeClr val="tx2"/>
-                </a:solidFill>
-              </a:defRPr>
-            </a:lvl5pPr>
-            <a:lvl6pPr eaLnBrk="1" hangingPunct="1">
-              <a:defRPr>
-                <a:solidFill>
-                  <a:schemeClr val="tx2"/>
-                </a:solidFill>
-              </a:defRPr>
-            </a:lvl6pPr>
-            <a:lvl7pPr eaLnBrk="1" hangingPunct="1">
-              <a:defRPr>
-                <a:solidFill>
-                  <a:schemeClr val="tx2"/>
-                </a:solidFill>
-              </a:defRPr>
-            </a:lvl7pPr>
-            <a:lvl8pPr eaLnBrk="1" hangingPunct="1">
-              <a:defRPr>
-                <a:solidFill>
-                  <a:schemeClr val="tx2"/>
-                </a:solidFill>
-              </a:defRPr>
-            </a:lvl8pPr>
-            <a:lvl9pPr eaLnBrk="1" hangingPunct="1">
-              <a:defRPr>
-                <a:solidFill>
-                  <a:schemeClr val="tx2"/>
-                </a:solidFill>
-              </a:defRPr>
-            </a:lvl9pPr>
-          </a:lstStyle>
-          <a:p>
-            <a:r>
-              <a:rPr lang="en-US" dirty="0" err="1" smtClean="0"/>
-              <a:t>OUTput</a:t>
-            </a:r>
-            <a:r>
-              <a:rPr lang="en-US" dirty="0" smtClean="0"/>
-              <a:t>:</a:t>
-            </a:r>
-            <a:endParaRPr lang="en-US" dirty="0"/>
-          </a:p>
-        </p:txBody>
-      </p:sp>
-    </p:spTree>
-    <p:extLst>
-      <p:ext uri="{BB962C8B-B14F-4D97-AF65-F5344CB8AC3E}">
-        <p14:creationId xmlns:p14="http://schemas.microsoft.com/office/powerpoint/2010/main" val="3223069187"/>
       </p:ext>
     </p:extLst>
   </p:cSld>
@@ -18776,8 +19404,12 @@
           <a:lstStyle/>
           <a:p>
             <a:r>
+              <a:rPr lang="en-US" dirty="0" err="1" smtClean="0"/>
+              <a:t>UseS</a:t>
+            </a:r>
+            <a:r>
               <a:rPr lang="en-US" dirty="0" smtClean="0"/>
-              <a:t>Intended Use:</a:t>
+              <a:t>:</a:t>
             </a:r>
             <a:br>
               <a:rPr lang="en-US" dirty="0" smtClean="0"/>
@@ -18796,89 +19428,74 @@
             <p:ph idx="1"/>
           </p:nvPr>
         </p:nvSpPr>
-        <p:spPr/>
+        <p:spPr>
+          <a:xfrm>
+            <a:off x="685800" y="1205498"/>
+            <a:ext cx="7772400" cy="3733800"/>
+          </a:xfrm>
+        </p:spPr>
         <p:txBody>
-          <a:bodyPr/>
+          <a:bodyPr>
+            <a:noAutofit/>
+          </a:bodyPr>
           <a:lstStyle/>
           <a:p>
             <a:r>
-              <a:rPr lang="en-US" dirty="0" smtClean="0"/>
-              <a:t>Vision Impaired </a:t>
-            </a:r>
-            <a:r>
-              <a:rPr lang="en-US" dirty="0" smtClean="0"/>
-              <a:t>Use</a:t>
+              <a:rPr lang="en-US" sz="3200" dirty="0" smtClean="0"/>
+              <a:t>Tool for Speech and  Visually Impaired</a:t>
             </a:r>
           </a:p>
           <a:p>
             <a:pPr marL="68580" indent="0">
               <a:buNone/>
             </a:pPr>
-            <a:endParaRPr lang="en-US" dirty="0" smtClean="0"/>
+            <a:endParaRPr lang="en-US" sz="3200" dirty="0" smtClean="0"/>
           </a:p>
           <a:p>
             <a:r>
-              <a:rPr lang="en-US" dirty="0" smtClean="0"/>
-              <a:t>Accurate Speech Transcription</a:t>
+              <a:rPr lang="en-US" sz="3200" dirty="0" smtClean="0"/>
+              <a:t>enhances listening skills</a:t>
             </a:r>
           </a:p>
           <a:p>
-            <a:pPr lvl="1"/>
+            <a:pPr marL="68580" indent="0">
+              <a:buNone/>
+            </a:pPr>
+            <a:endParaRPr lang="en-US" sz="3200" dirty="0" smtClean="0"/>
+          </a:p>
+          <a:p>
             <a:r>
-              <a:rPr lang="en-US" dirty="0" smtClean="0"/>
-              <a:t>call </a:t>
+              <a:rPr lang="en-US" sz="3200" dirty="0" smtClean="0"/>
+              <a:t>Foreign Language Learning</a:t>
             </a:r>
-            <a:r>
-              <a:rPr lang="en-US" dirty="0" smtClean="0"/>
-              <a:t>centers</a:t>
-            </a:r>
-            <a:endParaRPr lang="en-US" dirty="0" smtClean="0"/>
-          </a:p>
-          <a:p>
-            <a:pPr lvl="1"/>
-            <a:r>
-              <a:rPr lang="en-US" dirty="0" smtClean="0"/>
-              <a:t>Taking notes in meeting and in </a:t>
-            </a:r>
-            <a:r>
-              <a:rPr lang="en-US" dirty="0" smtClean="0"/>
-              <a:t>class</a:t>
-            </a:r>
-          </a:p>
-          <a:p>
-            <a:pPr lvl="1"/>
-            <a:r>
-              <a:rPr lang="en-US" dirty="0" smtClean="0"/>
-              <a:t>Human </a:t>
-            </a:r>
-            <a:r>
-              <a:rPr lang="en-US" dirty="0" smtClean="0"/>
-              <a:t>and Computer Interaction (Voice Control </a:t>
-            </a:r>
-            <a:r>
-              <a:rPr lang="en-US" dirty="0" smtClean="0"/>
-              <a:t>Application)</a:t>
-            </a:r>
-            <a:endParaRPr lang="en-US" dirty="0"/>
-          </a:p>
-          <a:p>
-            <a:endParaRPr lang="en-US" dirty="0" smtClean="0"/>
+          </a:p>
+          <a:p>
+            <a:endParaRPr lang="en-US" sz="3200" dirty="0" smtClean="0"/>
+          </a:p>
+          <a:p>
+            <a:pPr marL="68580" indent="0">
+              <a:buNone/>
+            </a:pPr>
+            <a:endParaRPr lang="en-US" sz="3200" dirty="0"/>
+          </a:p>
+          <a:p>
+            <a:endParaRPr lang="en-US" sz="3200" dirty="0" smtClean="0"/>
           </a:p>
           <a:p>
             <a:pPr marL="0" indent="0">
               <a:buNone/>
             </a:pPr>
-            <a:endParaRPr lang="en-US" dirty="0" smtClean="0"/>
-          </a:p>
-          <a:p>
-            <a:endParaRPr lang="en-US" dirty="0"/>
+            <a:endParaRPr lang="en-US" sz="3200" dirty="0" smtClean="0"/>
+          </a:p>
+          <a:p>
+            <a:endParaRPr lang="en-US" sz="3200" dirty="0"/>
           </a:p>
         </p:txBody>
       </p:sp>
     </p:spTree>
     <p:extLst>
       <p:ext uri="{BB962C8B-B14F-4D97-AF65-F5344CB8AC3E}">
-        <p14:creationId xmlns:p14="http://schemas.microsoft.com/office/powerpoint/2010/main" val="3187848626"/>
+        <p14:creationId xmlns:p14="http://schemas.microsoft.com/office/powerpoint/2010/main" val="2797301415"/>
       </p:ext>
     </p:extLst>
   </p:cSld>
